--- a/Figures/Evaluation Scheme.pptx
+++ b/Figures/Evaluation Scheme.pptx
@@ -6,6 +6,7 @@
   </p:sldMasterIdLst>
   <p:sldIdLst>
     <p:sldId id="256" r:id="rId2"/>
+    <p:sldId id="257" r:id="rId3"/>
   </p:sldIdLst>
   <p:sldSz cx="12192000" cy="6858000"/>
   <p:notesSz cx="6858000" cy="9144000"/>
@@ -104,6 +105,11 @@
       </a:defRPr>
     </a:lvl9pPr>
   </p:defaultTextStyle>
+  <p:extLst>
+    <p:ext uri="{EFAFB233-063F-42B5-8137-9DF3F51BA10A}">
+      <p15:sldGuideLst xmlns:p15="http://schemas.microsoft.com/office/powerpoint/2012/main"/>
+    </p:ext>
+  </p:extLst>
 </p:presentation>
 </file>
 
@@ -254,7 +260,7 @@
           <a:p>
             <a:fld id="{74E7F524-0827-374A-80C9-CFC161889331}" type="datetimeFigureOut">
               <a:rPr lang="da-DK" smtClean="0"/>
-              <a:t>25.10.2023</a:t>
+              <a:t>07.12.2023</a:t>
             </a:fld>
             <a:endParaRPr lang="da-DK"/>
           </a:p>
@@ -452,7 +458,7 @@
           <a:p>
             <a:fld id="{74E7F524-0827-374A-80C9-CFC161889331}" type="datetimeFigureOut">
               <a:rPr lang="da-DK" smtClean="0"/>
-              <a:t>25.10.2023</a:t>
+              <a:t>07.12.2023</a:t>
             </a:fld>
             <a:endParaRPr lang="da-DK"/>
           </a:p>
@@ -660,7 +666,7 @@
           <a:p>
             <a:fld id="{74E7F524-0827-374A-80C9-CFC161889331}" type="datetimeFigureOut">
               <a:rPr lang="da-DK" smtClean="0"/>
-              <a:t>25.10.2023</a:t>
+              <a:t>07.12.2023</a:t>
             </a:fld>
             <a:endParaRPr lang="da-DK"/>
           </a:p>
@@ -858,7 +864,7 @@
           <a:p>
             <a:fld id="{74E7F524-0827-374A-80C9-CFC161889331}" type="datetimeFigureOut">
               <a:rPr lang="da-DK" smtClean="0"/>
-              <a:t>25.10.2023</a:t>
+              <a:t>07.12.2023</a:t>
             </a:fld>
             <a:endParaRPr lang="da-DK"/>
           </a:p>
@@ -1133,7 +1139,7 @@
           <a:p>
             <a:fld id="{74E7F524-0827-374A-80C9-CFC161889331}" type="datetimeFigureOut">
               <a:rPr lang="da-DK" smtClean="0"/>
-              <a:t>25.10.2023</a:t>
+              <a:t>07.12.2023</a:t>
             </a:fld>
             <a:endParaRPr lang="da-DK"/>
           </a:p>
@@ -1398,7 +1404,7 @@
           <a:p>
             <a:fld id="{74E7F524-0827-374A-80C9-CFC161889331}" type="datetimeFigureOut">
               <a:rPr lang="da-DK" smtClean="0"/>
-              <a:t>25.10.2023</a:t>
+              <a:t>07.12.2023</a:t>
             </a:fld>
             <a:endParaRPr lang="da-DK"/>
           </a:p>
@@ -1810,7 +1816,7 @@
           <a:p>
             <a:fld id="{74E7F524-0827-374A-80C9-CFC161889331}" type="datetimeFigureOut">
               <a:rPr lang="da-DK" smtClean="0"/>
-              <a:t>25.10.2023</a:t>
+              <a:t>07.12.2023</a:t>
             </a:fld>
             <a:endParaRPr lang="da-DK"/>
           </a:p>
@@ -1951,7 +1957,7 @@
           <a:p>
             <a:fld id="{74E7F524-0827-374A-80C9-CFC161889331}" type="datetimeFigureOut">
               <a:rPr lang="da-DK" smtClean="0"/>
-              <a:t>25.10.2023</a:t>
+              <a:t>07.12.2023</a:t>
             </a:fld>
             <a:endParaRPr lang="da-DK"/>
           </a:p>
@@ -2064,7 +2070,7 @@
           <a:p>
             <a:fld id="{74E7F524-0827-374A-80C9-CFC161889331}" type="datetimeFigureOut">
               <a:rPr lang="da-DK" smtClean="0"/>
-              <a:t>25.10.2023</a:t>
+              <a:t>07.12.2023</a:t>
             </a:fld>
             <a:endParaRPr lang="da-DK"/>
           </a:p>
@@ -2375,7 +2381,7 @@
           <a:p>
             <a:fld id="{74E7F524-0827-374A-80C9-CFC161889331}" type="datetimeFigureOut">
               <a:rPr lang="da-DK" smtClean="0"/>
-              <a:t>25.10.2023</a:t>
+              <a:t>07.12.2023</a:t>
             </a:fld>
             <a:endParaRPr lang="da-DK"/>
           </a:p>
@@ -2663,7 +2669,7 @@
           <a:p>
             <a:fld id="{74E7F524-0827-374A-80C9-CFC161889331}" type="datetimeFigureOut">
               <a:rPr lang="da-DK" smtClean="0"/>
-              <a:t>25.10.2023</a:t>
+              <a:t>07.12.2023</a:t>
             </a:fld>
             <a:endParaRPr lang="da-DK"/>
           </a:p>
@@ -2904,7 +2910,7 @@
           <a:p>
             <a:fld id="{74E7F524-0827-374A-80C9-CFC161889331}" type="datetimeFigureOut">
               <a:rPr lang="da-DK" smtClean="0"/>
-              <a:t>25.10.2023</a:t>
+              <a:t>07.12.2023</a:t>
             </a:fld>
             <a:endParaRPr lang="da-DK"/>
           </a:p>
@@ -3335,10 +3341,10 @@
         </p:nvGrpSpPr>
         <p:grpSpPr>
           <a:xfrm>
-            <a:off x="1584010" y="810680"/>
-            <a:ext cx="9396534" cy="5236641"/>
-            <a:chOff x="1310667" y="1147493"/>
-            <a:chExt cx="9396534" cy="5236641"/>
+            <a:off x="966648" y="795913"/>
+            <a:ext cx="10684908" cy="5270267"/>
+            <a:chOff x="1187291" y="1117960"/>
+            <a:chExt cx="10684908" cy="5270267"/>
           </a:xfrm>
         </p:grpSpPr>
         <p:cxnSp>
@@ -3443,7 +3449,7 @@
               <p:spPr>
                 <a:xfrm>
                   <a:off x="3867377" y="4436126"/>
-                  <a:ext cx="4224362" cy="319703"/>
+                  <a:ext cx="4790670" cy="352148"/>
                 </a:xfrm>
                 <a:prstGeom prst="rect">
                   <a:avLst/>
@@ -3457,7 +3463,7 @@
                 <a:lstStyle/>
                 <a:p>
                   <a:r>
-                    <a:rPr lang="da-DK" sz="1400" dirty="0">
+                    <a:rPr lang="da-DK" sz="1600" dirty="0">
                       <a:latin typeface="Garamond" panose="02020404030301010803" pitchFamily="18" charset="0"/>
                     </a:rPr>
                     <a:t>Historical Periods: { </a:t>
@@ -3467,7 +3473,7 @@
                       <m:sSub>
                         <m:sSubPr>
                           <m:ctrlPr>
-                            <a:rPr lang="da-DK" sz="1400" b="0" i="1" dirty="0" smtClean="0">
+                            <a:rPr lang="da-DK" sz="1600" b="0" i="1" dirty="0" smtClean="0">
                               <a:latin typeface="Cambria Math" panose="02040503050406030204" pitchFamily="18" charset="0"/>
                             </a:rPr>
                           </m:ctrlPr>
@@ -3477,14 +3483,14 @@
                             <m:accPr>
                               <m:chr m:val="̂"/>
                               <m:ctrlPr>
-                                <a:rPr lang="da-DK" sz="1400" b="1" smtClean="0">
+                                <a:rPr lang="da-DK" sz="1600" b="1" i="1" smtClean="0">
                                   <a:latin typeface="Cambria Math" panose="02040503050406030204" pitchFamily="18" charset="0"/>
                                 </a:rPr>
                               </m:ctrlPr>
                             </m:accPr>
                             <m:e>
                               <m:r>
-                                <a:rPr lang="da-DK" sz="1400" b="1" i="0" smtClean="0">
+                                <a:rPr lang="da-DK" sz="1600" b="1" i="0" smtClean="0">
                                   <a:latin typeface="Cambria Math" panose="02040503050406030204" pitchFamily="18" charset="0"/>
                                 </a:rPr>
                                 <m:t>𝛏</m:t>
@@ -3494,7 +3500,7 @@
                         </m:e>
                         <m:sub>
                           <m:r>
-                            <a:rPr lang="da-DK" sz="1400" b="0" i="1" dirty="0" smtClean="0">
+                            <a:rPr lang="da-DK" sz="1600" b="0" i="1" dirty="0" smtClean="0">
                               <a:latin typeface="Cambria Math" panose="02040503050406030204" pitchFamily="18" charset="0"/>
                             </a:rPr>
                             <m:t>𝑖</m:t>
@@ -3504,7 +3510,7 @@
                     </m:oMath>
                   </a14:m>
                   <a:r>
-                    <a:rPr lang="da-DK" sz="1400" dirty="0">
+                    <a:rPr lang="da-DK" sz="1600" dirty="0">
                       <a:latin typeface="Garamond" panose="02020404030301010803" pitchFamily="18" charset="0"/>
                     </a:rPr>
                     <a:t> : </a:t>
@@ -3512,13 +3518,13 @@
                   <a14:m>
                     <m:oMath xmlns:m="http://schemas.openxmlformats.org/officeDocument/2006/math">
                       <m:r>
-                        <a:rPr lang="da-DK" sz="1400" b="0" i="1" smtClean="0">
+                        <a:rPr lang="da-DK" sz="1600" b="0" i="1" smtClean="0">
                           <a:latin typeface="Cambria Math" panose="02040503050406030204" pitchFamily="18" charset="0"/>
                         </a:rPr>
                         <m:t>𝑖</m:t>
                       </m:r>
                       <m:r>
-                        <a:rPr lang="da-DK" sz="1400" b="0" i="1" smtClean="0">
+                        <a:rPr lang="da-DK" sz="1600" b="0" i="1" smtClean="0">
                           <a:latin typeface="Cambria Math" panose="02040503050406030204" pitchFamily="18" charset="0"/>
                         </a:rPr>
                         <m:t>∈</m:t>
@@ -3528,38 +3534,38 @@
                           <m:begChr m:val="{"/>
                           <m:endChr m:val="}"/>
                           <m:ctrlPr>
-                            <a:rPr lang="da-DK" sz="1400" b="0" i="1" smtClean="0">
+                            <a:rPr lang="da-DK" sz="1600" b="0" i="1" smtClean="0">
                               <a:latin typeface="Cambria Math" panose="02040503050406030204" pitchFamily="18" charset="0"/>
                             </a:rPr>
                           </m:ctrlPr>
                         </m:dPr>
                         <m:e>
                           <m:r>
-                            <a:rPr lang="da-DK" sz="1400" b="0" i="1" smtClean="0">
+                            <a:rPr lang="da-DK" sz="1600" b="0" i="1" smtClean="0">
                               <a:latin typeface="Cambria Math" panose="02040503050406030204" pitchFamily="18" charset="0"/>
                             </a:rPr>
                             <m:t>0,  1,  …,  </m:t>
                           </m:r>
                           <m:r>
-                            <a:rPr lang="da-DK" sz="1400" b="0" i="1" smtClean="0">
+                            <a:rPr lang="da-DK" sz="1600" b="0" i="1" smtClean="0">
                               <a:latin typeface="Cambria Math" panose="02040503050406030204" pitchFamily="18" charset="0"/>
                             </a:rPr>
                             <m:t>𝐸</m:t>
                           </m:r>
                           <m:r>
-                            <a:rPr lang="da-DK" sz="1400" b="0" i="1" smtClean="0">
+                            <a:rPr lang="da-DK" sz="1600" b="0" i="1" smtClean="0">
                               <a:latin typeface="Cambria Math" panose="02040503050406030204" pitchFamily="18" charset="0"/>
                             </a:rPr>
                             <m:t>−2,  </m:t>
                           </m:r>
                           <m:r>
-                            <a:rPr lang="da-DK" sz="1400" b="0" i="1" smtClean="0">
+                            <a:rPr lang="da-DK" sz="1600" b="0" i="1" smtClean="0">
                               <a:latin typeface="Cambria Math" panose="02040503050406030204" pitchFamily="18" charset="0"/>
                             </a:rPr>
                             <m:t>𝐸</m:t>
                           </m:r>
                           <m:r>
-                            <a:rPr lang="da-DK" sz="1400" b="0" i="1" smtClean="0">
+                            <a:rPr lang="da-DK" sz="1600" b="0" i="1" smtClean="0">
                               <a:latin typeface="Cambria Math" panose="02040503050406030204" pitchFamily="18" charset="0"/>
                             </a:rPr>
                             <m:t>−1</m:t>
@@ -3569,7 +3575,7 @@
                     </m:oMath>
                   </a14:m>
                   <a:r>
-                    <a:rPr lang="da-DK" sz="1400" dirty="0">
+                    <a:rPr lang="da-DK" sz="1600" dirty="0">
                       <a:latin typeface="Garamond" panose="02020404030301010803" pitchFamily="18" charset="0"/>
                     </a:rPr>
                     <a:t> }</a:t>
@@ -3596,7 +3602,7 @@
               <p:spPr>
                 <a:xfrm>
                   <a:off x="3867377" y="4436126"/>
-                  <a:ext cx="4224362" cy="319703"/>
+                  <a:ext cx="4790670" cy="352148"/>
                 </a:xfrm>
                 <a:prstGeom prst="rect">
                   <a:avLst/>
@@ -3604,7 +3610,7 @@
                 <a:blipFill>
                   <a:blip r:embed="rId2"/>
                   <a:stretch>
-                    <a:fillRect l="-299" b="-23077"/>
+                    <a:fillRect l="-794" t="-3571" b="-21429"/>
                   </a:stretch>
                 </a:blipFill>
               </p:spPr>
@@ -3691,9 +3697,7 @@
             </a:prstGeom>
             <a:ln w="38100" cmpd="sng">
               <a:solidFill>
-                <a:schemeClr val="accent1">
-                  <a:lumMod val="75000"/>
-                </a:schemeClr>
+                <a:srgbClr val="010003"/>
               </a:solidFill>
               <a:prstDash val="solid"/>
             </a:ln>
@@ -3737,9 +3741,7 @@
             </a:prstGeom>
             <a:ln w="38100">
               <a:solidFill>
-                <a:schemeClr val="accent2">
-                  <a:lumMod val="75000"/>
-                </a:schemeClr>
+                <a:srgbClr val="BA8176"/>
               </a:solidFill>
               <a:prstDash val="solid"/>
             </a:ln>
@@ -3783,7 +3785,7 @@
             </a:prstGeom>
             <a:ln w="38100">
               <a:solidFill>
-                <a:srgbClr val="C00000"/>
+                <a:srgbClr val="C85F4D"/>
               </a:solidFill>
             </a:ln>
           </p:spPr>
@@ -3950,8 +3952,8 @@
               </p:nvSpPr>
               <p:spPr>
                 <a:xfrm>
-                  <a:off x="1944036" y="1147493"/>
-                  <a:ext cx="7013908" cy="319703"/>
+                  <a:off x="1187291" y="1117960"/>
+                  <a:ext cx="7975710" cy="352148"/>
                 </a:xfrm>
                 <a:prstGeom prst="rect">
                   <a:avLst/>
@@ -3965,7 +3967,7 @@
                 <a:lstStyle/>
                 <a:p>
                   <a:r>
-                    <a:rPr lang="da-DK" sz="1400" dirty="0">
+                    <a:rPr lang="da-DK" sz="1600" dirty="0">
                       <a:latin typeface="Garamond" panose="02020404030301010803" pitchFamily="18" charset="0"/>
                     </a:rPr>
                     <a:t>Rolling Window: { </a:t>
@@ -3975,7 +3977,7 @@
                       <m:sSub>
                         <m:sSubPr>
                           <m:ctrlPr>
-                            <a:rPr lang="da-DK" sz="1400" b="0" i="1" dirty="0" smtClean="0">
+                            <a:rPr lang="da-DK" sz="1600" b="0" i="1" dirty="0" smtClean="0">
                               <a:latin typeface="Cambria Math" panose="02040503050406030204" pitchFamily="18" charset="0"/>
                             </a:rPr>
                           </m:ctrlPr>
@@ -3985,14 +3987,14 @@
                             <m:accPr>
                               <m:chr m:val="̂"/>
                               <m:ctrlPr>
-                                <a:rPr lang="da-DK" sz="1400" b="1" smtClean="0">
+                                <a:rPr lang="da-DK" sz="1600" b="1" i="1" smtClean="0">
                                   <a:latin typeface="Cambria Math" panose="02040503050406030204" pitchFamily="18" charset="0"/>
                                 </a:rPr>
                               </m:ctrlPr>
                             </m:accPr>
                             <m:e>
                               <m:r>
-                                <a:rPr lang="da-DK" sz="1400" b="1" i="0" smtClean="0">
+                                <a:rPr lang="da-DK" sz="1600" b="1" i="0" smtClean="0">
                                   <a:latin typeface="Cambria Math" panose="02040503050406030204" pitchFamily="18" charset="0"/>
                                 </a:rPr>
                                 <m:t>𝛏</m:t>
@@ -4002,7 +4004,7 @@
                         </m:e>
                         <m:sub>
                           <m:r>
-                            <a:rPr lang="da-DK" sz="1400" b="0" i="1" dirty="0" smtClean="0">
+                            <a:rPr lang="da-DK" sz="1600" b="0" i="1" dirty="0" smtClean="0">
                               <a:latin typeface="Cambria Math" panose="02040503050406030204" pitchFamily="18" charset="0"/>
                             </a:rPr>
                             <m:t>𝑖</m:t>
@@ -4012,7 +4014,7 @@
                     </m:oMath>
                   </a14:m>
                   <a:r>
-                    <a:rPr lang="da-DK" sz="1400" dirty="0">
+                    <a:rPr lang="da-DK" sz="1600" dirty="0">
                       <a:latin typeface="Garamond" panose="02020404030301010803" pitchFamily="18" charset="0"/>
                     </a:rPr>
                     <a:t> : </a:t>
@@ -4020,13 +4022,13 @@
                   <a14:m>
                     <m:oMath xmlns:m="http://schemas.openxmlformats.org/officeDocument/2006/math">
                       <m:r>
-                        <a:rPr lang="da-DK" sz="1400" b="0" i="1" smtClean="0">
+                        <a:rPr lang="da-DK" sz="1600" b="0" i="1" smtClean="0">
                           <a:latin typeface="Cambria Math" panose="02040503050406030204" pitchFamily="18" charset="0"/>
                         </a:rPr>
                         <m:t>𝑖</m:t>
                       </m:r>
                       <m:r>
-                        <a:rPr lang="da-DK" sz="1400" b="0" i="1" smtClean="0">
+                        <a:rPr lang="da-DK" sz="1600" b="0" i="1" smtClean="0">
                           <a:latin typeface="Cambria Math" panose="02040503050406030204" pitchFamily="18" charset="0"/>
                         </a:rPr>
                         <m:t>∈</m:t>
@@ -4036,32 +4038,32 @@
                           <m:begChr m:val="{"/>
                           <m:endChr m:val="}"/>
                           <m:ctrlPr>
-                            <a:rPr lang="da-DK" sz="1400" b="0" i="1" smtClean="0">
+                            <a:rPr lang="da-DK" sz="1600" b="0" i="1" smtClean="0">
                               <a:latin typeface="Cambria Math" panose="02040503050406030204" pitchFamily="18" charset="0"/>
                             </a:rPr>
                           </m:ctrlPr>
                         </m:dPr>
                         <m:e>
                           <m:r>
-                            <a:rPr lang="da-DK" sz="1400" b="0" i="1" smtClean="0">
+                            <a:rPr lang="da-DK" sz="1600" b="0" i="1" smtClean="0">
                               <a:latin typeface="Cambria Math" panose="02040503050406030204" pitchFamily="18" charset="0"/>
                             </a:rPr>
                             <m:t>𝜏</m:t>
                           </m:r>
                           <m:r>
-                            <a:rPr lang="da-DK" sz="1400" b="0" i="1" smtClean="0">
+                            <a:rPr lang="da-DK" sz="1600" b="0" i="1" smtClean="0">
                               <a:latin typeface="Cambria Math" panose="02040503050406030204" pitchFamily="18" charset="0"/>
                             </a:rPr>
                             <m:t>,  </m:t>
                           </m:r>
                           <m:r>
-                            <a:rPr lang="da-DK" sz="1400" b="0" i="1" smtClean="0">
+                            <a:rPr lang="da-DK" sz="1600" b="0" i="1" smtClean="0">
                               <a:latin typeface="Cambria Math" panose="02040503050406030204" pitchFamily="18" charset="0"/>
                             </a:rPr>
                             <m:t>𝜏</m:t>
                           </m:r>
                           <m:r>
-                            <a:rPr lang="da-DK" sz="1400" b="0" i="1" smtClean="0">
+                            <a:rPr lang="da-DK" sz="1600" b="0" i="1" smtClean="0">
                               <a:latin typeface="Cambria Math" panose="02040503050406030204" pitchFamily="18" charset="0"/>
                             </a:rPr>
                             <m:t>+1,  …,  </m:t>
@@ -4069,26 +4071,26 @@
                           <m:sSub>
                             <m:sSubPr>
                               <m:ctrlPr>
-                                <a:rPr lang="da-DK" sz="1400" b="0" i="1" smtClean="0">
+                                <a:rPr lang="da-DK" sz="1600" b="0" i="1" smtClean="0">
                                   <a:latin typeface="Cambria Math" panose="02040503050406030204" pitchFamily="18" charset="0"/>
                                 </a:rPr>
                               </m:ctrlPr>
                             </m:sSubPr>
                             <m:e>
                               <m:r>
-                                <a:rPr lang="da-DK" sz="1400" b="0" i="1" smtClean="0">
+                                <a:rPr lang="da-DK" sz="1600" b="0" i="1" smtClean="0">
                                   <a:latin typeface="Cambria Math" panose="02040503050406030204" pitchFamily="18" charset="0"/>
                                 </a:rPr>
                                 <m:t>𝜏</m:t>
                               </m:r>
                               <m:r>
-                                <a:rPr lang="da-DK" sz="1400" b="0" i="1" smtClean="0">
+                                <a:rPr lang="da-DK" sz="1600" b="0" i="1" smtClean="0">
                                   <a:latin typeface="Cambria Math" panose="02040503050406030204" pitchFamily="18" charset="0"/>
                                 </a:rPr>
                                 <m:t>+</m:t>
                               </m:r>
                               <m:r>
-                                <a:rPr lang="da-DK" sz="1400" b="0" i="1" smtClean="0">
+                                <a:rPr lang="da-DK" sz="1600" b="0" i="1" smtClean="0">
                                   <a:latin typeface="Cambria Math" panose="02040503050406030204" pitchFamily="18" charset="0"/>
                                 </a:rPr>
                                 <m:t>𝑇</m:t>
@@ -4096,7 +4098,7 @@
                             </m:e>
                             <m:sub>
                               <m:r>
-                                <a:rPr lang="da-DK" sz="1400" b="0" i="1" smtClean="0">
+                                <a:rPr lang="da-DK" sz="1600" b="0" i="1" smtClean="0">
                                   <a:latin typeface="Cambria Math" panose="02040503050406030204" pitchFamily="18" charset="0"/>
                                 </a:rPr>
                                 <m:t>𝑇𝑅</m:t>
@@ -4104,7 +4106,7 @@
                             </m:sub>
                           </m:sSub>
                           <m:r>
-                            <a:rPr lang="da-DK" sz="1400" b="0" i="1" smtClean="0">
+                            <a:rPr lang="da-DK" sz="1600" b="0" i="1" smtClean="0">
                               <a:latin typeface="Cambria Math" panose="02040503050406030204" pitchFamily="18" charset="0"/>
                             </a:rPr>
                             <m:t>+</m:t>
@@ -4112,14 +4114,14 @@
                           <m:sSub>
                             <m:sSubPr>
                               <m:ctrlPr>
-                                <a:rPr lang="da-DK" sz="1400" b="0" i="1" smtClean="0">
+                                <a:rPr lang="da-DK" sz="1600" b="0" i="1" smtClean="0">
                                   <a:latin typeface="Cambria Math" panose="02040503050406030204" pitchFamily="18" charset="0"/>
                                 </a:rPr>
                               </m:ctrlPr>
                             </m:sSubPr>
                             <m:e>
                               <m:r>
-                                <a:rPr lang="da-DK" sz="1400" b="0" i="1" smtClean="0">
+                                <a:rPr lang="da-DK" sz="1600" b="0" i="1" smtClean="0">
                                   <a:latin typeface="Cambria Math" panose="02040503050406030204" pitchFamily="18" charset="0"/>
                                 </a:rPr>
                                 <m:t>𝑇</m:t>
@@ -4127,7 +4129,7 @@
                             </m:e>
                             <m:sub>
                               <m:r>
-                                <a:rPr lang="da-DK" sz="1400" b="0" i="1" smtClean="0">
+                                <a:rPr lang="da-DK" sz="1600" b="0" i="1" smtClean="0">
                                   <a:latin typeface="Cambria Math" panose="02040503050406030204" pitchFamily="18" charset="0"/>
                                 </a:rPr>
                                 <m:t>𝑉</m:t>
@@ -4135,7 +4137,7 @@
                             </m:sub>
                           </m:sSub>
                           <m:r>
-                            <a:rPr lang="da-DK" sz="1400" b="0" i="1" smtClean="0">
+                            <a:rPr lang="da-DK" sz="1600" b="0" i="1" smtClean="0">
                               <a:latin typeface="Cambria Math" panose="02040503050406030204" pitchFamily="18" charset="0"/>
                             </a:rPr>
                             <m:t>+</m:t>
@@ -4143,14 +4145,14 @@
                           <m:sSub>
                             <m:sSubPr>
                               <m:ctrlPr>
-                                <a:rPr lang="da-DK" sz="1400" b="0" i="1" smtClean="0">
+                                <a:rPr lang="da-DK" sz="1600" b="0" i="1" smtClean="0">
                                   <a:latin typeface="Cambria Math" panose="02040503050406030204" pitchFamily="18" charset="0"/>
                                 </a:rPr>
                               </m:ctrlPr>
                             </m:sSubPr>
                             <m:e>
                               <m:r>
-                                <a:rPr lang="da-DK" sz="1400" b="0" i="1" smtClean="0">
+                                <a:rPr lang="da-DK" sz="1600" b="0" i="1" smtClean="0">
                                   <a:latin typeface="Cambria Math" panose="02040503050406030204" pitchFamily="18" charset="0"/>
                                 </a:rPr>
                                 <m:t>𝑇</m:t>
@@ -4158,7 +4160,7 @@
                             </m:e>
                             <m:sub>
                               <m:r>
-                                <a:rPr lang="da-DK" sz="1400" b="0" i="1" smtClean="0">
+                                <a:rPr lang="da-DK" sz="1600" b="0" i="1" smtClean="0">
                                   <a:latin typeface="Cambria Math" panose="02040503050406030204" pitchFamily="18" charset="0"/>
                                 </a:rPr>
                                 <m:t>𝑇𝐸</m:t>
@@ -4166,7 +4168,7 @@
                             </m:sub>
                           </m:sSub>
                           <m:r>
-                            <a:rPr lang="da-DK" sz="1400" b="0" i="1" smtClean="0">
+                            <a:rPr lang="da-DK" sz="1600" b="0" i="1" smtClean="0">
                               <a:latin typeface="Cambria Math" panose="02040503050406030204" pitchFamily="18" charset="0"/>
                             </a:rPr>
                             <m:t>−2,</m:t>
@@ -4174,32 +4176,32 @@
                           <m:sSub>
                             <m:sSubPr>
                               <m:ctrlPr>
-                                <a:rPr lang="da-DK" sz="1400" b="0" i="1" smtClean="0">
+                                <a:rPr lang="da-DK" sz="1600" b="0" i="1" smtClean="0">
                                   <a:latin typeface="Cambria Math" panose="02040503050406030204" pitchFamily="18" charset="0"/>
                                 </a:rPr>
                               </m:ctrlPr>
                             </m:sSubPr>
                             <m:e>
                               <m:r>
-                                <a:rPr lang="da-DK" sz="1400" b="0" i="1" smtClean="0">
+                                <a:rPr lang="da-DK" sz="1600" b="0" i="1" smtClean="0">
                                   <a:latin typeface="Cambria Math" panose="02040503050406030204" pitchFamily="18" charset="0"/>
                                 </a:rPr>
                                 <m:t> </m:t>
                               </m:r>
                               <m:r>
-                                <a:rPr lang="da-DK" sz="1400" b="0" i="1" smtClean="0">
+                                <a:rPr lang="da-DK" sz="1600" b="0" i="1" smtClean="0">
                                   <a:latin typeface="Cambria Math" panose="02040503050406030204" pitchFamily="18" charset="0"/>
                                 </a:rPr>
                                 <m:t>𝜏</m:t>
                               </m:r>
                               <m:r>
-                                <a:rPr lang="da-DK" sz="1400" b="0" i="1" smtClean="0">
+                                <a:rPr lang="da-DK" sz="1600" b="0" i="1" smtClean="0">
                                   <a:latin typeface="Cambria Math" panose="02040503050406030204" pitchFamily="18" charset="0"/>
                                 </a:rPr>
                                 <m:t>+ </m:t>
                               </m:r>
                               <m:r>
-                                <a:rPr lang="da-DK" sz="1400" b="0" i="1" smtClean="0">
+                                <a:rPr lang="da-DK" sz="1600" b="0" i="1" smtClean="0">
                                   <a:latin typeface="Cambria Math" panose="02040503050406030204" pitchFamily="18" charset="0"/>
                                 </a:rPr>
                                 <m:t>𝑇</m:t>
@@ -4207,7 +4209,7 @@
                             </m:e>
                             <m:sub>
                               <m:r>
-                                <a:rPr lang="da-DK" sz="1400" b="0" i="1" smtClean="0">
+                                <a:rPr lang="da-DK" sz="1600" b="0" i="1" smtClean="0">
                                   <a:latin typeface="Cambria Math" panose="02040503050406030204" pitchFamily="18" charset="0"/>
                                 </a:rPr>
                                 <m:t>𝑇𝑅</m:t>
@@ -4215,7 +4217,7 @@
                             </m:sub>
                           </m:sSub>
                           <m:r>
-                            <a:rPr lang="da-DK" sz="1400" b="0" i="1" smtClean="0">
+                            <a:rPr lang="da-DK" sz="1600" b="0" i="1" smtClean="0">
                               <a:latin typeface="Cambria Math" panose="02040503050406030204" pitchFamily="18" charset="0"/>
                             </a:rPr>
                             <m:t>+</m:t>
@@ -4223,14 +4225,14 @@
                           <m:sSub>
                             <m:sSubPr>
                               <m:ctrlPr>
-                                <a:rPr lang="da-DK" sz="1400" b="0" i="1" smtClean="0">
+                                <a:rPr lang="da-DK" sz="1600" b="0" i="1" smtClean="0">
                                   <a:latin typeface="Cambria Math" panose="02040503050406030204" pitchFamily="18" charset="0"/>
                                 </a:rPr>
                               </m:ctrlPr>
                             </m:sSubPr>
                             <m:e>
                               <m:r>
-                                <a:rPr lang="da-DK" sz="1400" b="0" i="1" smtClean="0">
+                                <a:rPr lang="da-DK" sz="1600" b="0" i="1" smtClean="0">
                                   <a:latin typeface="Cambria Math" panose="02040503050406030204" pitchFamily="18" charset="0"/>
                                 </a:rPr>
                                 <m:t>𝑇</m:t>
@@ -4238,7 +4240,7 @@
                             </m:e>
                             <m:sub>
                               <m:r>
-                                <a:rPr lang="da-DK" sz="1400" b="0" i="1" smtClean="0">
+                                <a:rPr lang="da-DK" sz="1600" b="0" i="1" smtClean="0">
                                   <a:latin typeface="Cambria Math" panose="02040503050406030204" pitchFamily="18" charset="0"/>
                                 </a:rPr>
                                 <m:t>𝑉</m:t>
@@ -4246,7 +4248,7 @@
                             </m:sub>
                           </m:sSub>
                           <m:r>
-                            <a:rPr lang="da-DK" sz="1400" b="0" i="1" smtClean="0">
+                            <a:rPr lang="da-DK" sz="1600" b="0" i="1" smtClean="0">
                               <a:latin typeface="Cambria Math" panose="02040503050406030204" pitchFamily="18" charset="0"/>
                             </a:rPr>
                             <m:t>+</m:t>
@@ -4254,14 +4256,14 @@
                           <m:sSub>
                             <m:sSubPr>
                               <m:ctrlPr>
-                                <a:rPr lang="da-DK" sz="1400" b="0" i="1" smtClean="0">
+                                <a:rPr lang="da-DK" sz="1600" b="0" i="1" smtClean="0">
                                   <a:latin typeface="Cambria Math" panose="02040503050406030204" pitchFamily="18" charset="0"/>
                                 </a:rPr>
                               </m:ctrlPr>
                             </m:sSubPr>
                             <m:e>
                               <m:r>
-                                <a:rPr lang="da-DK" sz="1400" b="0" i="1" smtClean="0">
+                                <a:rPr lang="da-DK" sz="1600" b="0" i="1" smtClean="0">
                                   <a:latin typeface="Cambria Math" panose="02040503050406030204" pitchFamily="18" charset="0"/>
                                 </a:rPr>
                                 <m:t>𝑇</m:t>
@@ -4269,7 +4271,7 @@
                             </m:e>
                             <m:sub>
                               <m:r>
-                                <a:rPr lang="da-DK" sz="1400" b="0" i="1" smtClean="0">
+                                <a:rPr lang="da-DK" sz="1600" b="0" i="1" smtClean="0">
                                   <a:latin typeface="Cambria Math" panose="02040503050406030204" pitchFamily="18" charset="0"/>
                                 </a:rPr>
                                 <m:t>𝑇𝐸</m:t>
@@ -4277,7 +4279,7 @@
                             </m:sub>
                           </m:sSub>
                           <m:r>
-                            <a:rPr lang="da-DK" sz="1400" b="0" i="1" smtClean="0">
+                            <a:rPr lang="da-DK" sz="1600" b="0" i="1" smtClean="0">
                               <a:latin typeface="Cambria Math" panose="02040503050406030204" pitchFamily="18" charset="0"/>
                             </a:rPr>
                             <m:t>−1</m:t>
@@ -4287,7 +4289,7 @@
                     </m:oMath>
                   </a14:m>
                   <a:r>
-                    <a:rPr lang="da-DK" sz="1400" dirty="0">
+                    <a:rPr lang="da-DK" sz="1600" dirty="0">
                       <a:latin typeface="Garamond" panose="02020404030301010803" pitchFamily="18" charset="0"/>
                     </a:rPr>
                     <a:t> }</a:t>
@@ -4313,8 +4315,8 @@
               </p:nvSpPr>
               <p:spPr>
                 <a:xfrm>
-                  <a:off x="1944036" y="1147493"/>
-                  <a:ext cx="7013908" cy="319703"/>
+                  <a:off x="1187291" y="1117960"/>
+                  <a:ext cx="7975710" cy="352148"/>
                 </a:xfrm>
                 <a:prstGeom prst="rect">
                   <a:avLst/>
@@ -4322,7 +4324,7 @@
                 <a:blipFill>
                   <a:blip r:embed="rId3"/>
                   <a:stretch>
-                    <a:fillRect l="-181" b="-23077"/>
+                    <a:fillRect l="-477" b="-17241"/>
                   </a:stretch>
                 </a:blipFill>
               </p:spPr>
@@ -4362,7 +4364,7 @@
               <a:avLst/>
             </a:prstGeom>
             <a:solidFill>
-              <a:srgbClr val="2F5597"/>
+              <a:srgbClr val="010003"/>
             </a:solidFill>
             <a:ln>
               <a:noFill/>
@@ -4419,7 +4421,7 @@
               <a:avLst/>
             </a:prstGeom>
             <a:solidFill>
-              <a:srgbClr val="C55910"/>
+              <a:srgbClr val="BA8176"/>
             </a:solidFill>
             <a:ln>
               <a:noFill/>
@@ -4476,7 +4478,7 @@
               <a:avLst/>
             </a:prstGeom>
             <a:solidFill>
-              <a:srgbClr val="C01900"/>
+              <a:srgbClr val="C85F4D"/>
             </a:solidFill>
             <a:ln>
               <a:noFill/>
@@ -4529,7 +4531,7 @@
               <p:spPr>
                 <a:xfrm>
                   <a:off x="1906907" y="5086807"/>
-                  <a:ext cx="5259068" cy="319703"/>
+                  <a:ext cx="6027419" cy="352148"/>
                 </a:xfrm>
                 <a:prstGeom prst="rect">
                   <a:avLst/>
@@ -4543,7 +4545,7 @@
                 <a:lstStyle/>
                 <a:p>
                   <a:r>
-                    <a:rPr lang="da-DK" sz="1400" dirty="0">
+                    <a:rPr lang="da-DK" sz="1600" dirty="0">
                       <a:latin typeface="Garamond" panose="02020404030301010803" pitchFamily="18" charset="0"/>
                     </a:rPr>
                     <a:t>Training Periods:    { </a:t>
@@ -4553,7 +4555,7 @@
                       <m:sSub>
                         <m:sSubPr>
                           <m:ctrlPr>
-                            <a:rPr lang="da-DK" sz="1400" b="0" i="1" dirty="0" smtClean="0">
+                            <a:rPr lang="da-DK" sz="1600" b="0" i="1" dirty="0" smtClean="0">
                               <a:latin typeface="Cambria Math" panose="02040503050406030204" pitchFamily="18" charset="0"/>
                             </a:rPr>
                           </m:ctrlPr>
@@ -4563,14 +4565,14 @@
                             <m:accPr>
                               <m:chr m:val="̂"/>
                               <m:ctrlPr>
-                                <a:rPr lang="da-DK" sz="1400" b="1" smtClean="0">
+                                <a:rPr lang="da-DK" sz="1600" b="1" i="1" smtClean="0">
                                   <a:latin typeface="Cambria Math" panose="02040503050406030204" pitchFamily="18" charset="0"/>
                                 </a:rPr>
                               </m:ctrlPr>
                             </m:accPr>
                             <m:e>
                               <m:r>
-                                <a:rPr lang="da-DK" sz="1400" b="1" i="0" smtClean="0">
+                                <a:rPr lang="da-DK" sz="1600" b="1" i="0" smtClean="0">
                                   <a:latin typeface="Cambria Math" panose="02040503050406030204" pitchFamily="18" charset="0"/>
                                 </a:rPr>
                                 <m:t>𝛏</m:t>
@@ -4580,7 +4582,7 @@
                         </m:e>
                         <m:sub>
                           <m:r>
-                            <a:rPr lang="da-DK" sz="1400" b="0" i="1" dirty="0" smtClean="0">
+                            <a:rPr lang="da-DK" sz="1600" b="0" i="1" dirty="0" smtClean="0">
                               <a:latin typeface="Cambria Math" panose="02040503050406030204" pitchFamily="18" charset="0"/>
                             </a:rPr>
                             <m:t>𝑖</m:t>
@@ -4590,7 +4592,7 @@
                     </m:oMath>
                   </a14:m>
                   <a:r>
-                    <a:rPr lang="da-DK" sz="1400" dirty="0">
+                    <a:rPr lang="da-DK" sz="1600" dirty="0">
                       <a:latin typeface="Garamond" panose="02020404030301010803" pitchFamily="18" charset="0"/>
                     </a:rPr>
                     <a:t> : </a:t>
@@ -4598,13 +4600,13 @@
                   <a14:m>
                     <m:oMath xmlns:m="http://schemas.openxmlformats.org/officeDocument/2006/math">
                       <m:r>
-                        <a:rPr lang="da-DK" sz="1400" b="0" i="1" smtClean="0">
+                        <a:rPr lang="da-DK" sz="1600" b="0" i="1" smtClean="0">
                           <a:latin typeface="Cambria Math" panose="02040503050406030204" pitchFamily="18" charset="0"/>
                         </a:rPr>
                         <m:t>𝑖</m:t>
                       </m:r>
                       <m:r>
-                        <a:rPr lang="da-DK" sz="1400" b="0" i="1" smtClean="0">
+                        <a:rPr lang="da-DK" sz="1600" b="0" i="1" smtClean="0">
                           <a:latin typeface="Cambria Math" panose="02040503050406030204" pitchFamily="18" charset="0"/>
                         </a:rPr>
                         <m:t>∈</m:t>
@@ -4614,32 +4616,32 @@
                           <m:begChr m:val="{"/>
                           <m:endChr m:val="}"/>
                           <m:ctrlPr>
-                            <a:rPr lang="da-DK" sz="1400" b="0" i="1" smtClean="0">
+                            <a:rPr lang="da-DK" sz="1600" b="0" i="1" smtClean="0">
                               <a:latin typeface="Cambria Math" panose="02040503050406030204" pitchFamily="18" charset="0"/>
                             </a:rPr>
                           </m:ctrlPr>
                         </m:dPr>
                         <m:e>
                           <m:r>
-                            <a:rPr lang="da-DK" sz="1400" b="0" i="1" smtClean="0">
+                            <a:rPr lang="da-DK" sz="1600" b="0" i="1" smtClean="0">
                               <a:latin typeface="Cambria Math" panose="02040503050406030204" pitchFamily="18" charset="0"/>
                             </a:rPr>
                             <m:t>𝜏</m:t>
                           </m:r>
                           <m:r>
-                            <a:rPr lang="da-DK" sz="1400" b="0" i="1" smtClean="0">
+                            <a:rPr lang="da-DK" sz="1600" b="0" i="1" smtClean="0">
                               <a:latin typeface="Cambria Math" panose="02040503050406030204" pitchFamily="18" charset="0"/>
                             </a:rPr>
                             <m:t>,  </m:t>
                           </m:r>
                           <m:r>
-                            <a:rPr lang="da-DK" sz="1400" b="0" i="1" smtClean="0">
+                            <a:rPr lang="da-DK" sz="1600" b="0" i="1" smtClean="0">
                               <a:latin typeface="Cambria Math" panose="02040503050406030204" pitchFamily="18" charset="0"/>
                             </a:rPr>
                             <m:t>𝜏</m:t>
                           </m:r>
                           <m:r>
-                            <a:rPr lang="da-DK" sz="1400" b="0" i="1" smtClean="0">
+                            <a:rPr lang="da-DK" sz="1600" b="0" i="1" smtClean="0">
                               <a:latin typeface="Cambria Math" panose="02040503050406030204" pitchFamily="18" charset="0"/>
                             </a:rPr>
                             <m:t>+1,  …,</m:t>
@@ -4647,26 +4649,26 @@
                           <m:sSub>
                             <m:sSubPr>
                               <m:ctrlPr>
-                                <a:rPr lang="da-DK" sz="1400" b="0" i="1" smtClean="0">
+                                <a:rPr lang="da-DK" sz="1600" b="0" i="1" smtClean="0">
                                   <a:latin typeface="Cambria Math" panose="02040503050406030204" pitchFamily="18" charset="0"/>
                                 </a:rPr>
                               </m:ctrlPr>
                             </m:sSubPr>
                             <m:e>
                               <m:r>
-                                <a:rPr lang="da-DK" sz="1400" b="0" i="1" smtClean="0">
+                                <a:rPr lang="da-DK" sz="1600" b="0" i="1" smtClean="0">
                                   <a:latin typeface="Cambria Math" panose="02040503050406030204" pitchFamily="18" charset="0"/>
                                 </a:rPr>
                                 <m:t>𝜏</m:t>
                               </m:r>
                               <m:r>
-                                <a:rPr lang="da-DK" sz="1400" b="0" i="1" smtClean="0">
+                                <a:rPr lang="da-DK" sz="1600" b="0" i="1" smtClean="0">
                                   <a:latin typeface="Cambria Math" panose="02040503050406030204" pitchFamily="18" charset="0"/>
                                 </a:rPr>
                                 <m:t>+</m:t>
                               </m:r>
                               <m:r>
-                                <a:rPr lang="da-DK" sz="1400" b="0" i="1" smtClean="0">
+                                <a:rPr lang="da-DK" sz="1600" b="0" i="1" smtClean="0">
                                   <a:latin typeface="Cambria Math" panose="02040503050406030204" pitchFamily="18" charset="0"/>
                                 </a:rPr>
                                 <m:t>𝑇</m:t>
@@ -4674,7 +4676,7 @@
                             </m:e>
                             <m:sub>
                               <m:r>
-                                <a:rPr lang="da-DK" sz="1400" b="0" i="1" smtClean="0">
+                                <a:rPr lang="da-DK" sz="1600" b="0" i="1" smtClean="0">
                                   <a:latin typeface="Cambria Math" panose="02040503050406030204" pitchFamily="18" charset="0"/>
                                 </a:rPr>
                                 <m:t>𝑇𝑅</m:t>
@@ -4682,7 +4684,7 @@
                             </m:sub>
                           </m:sSub>
                           <m:r>
-                            <a:rPr lang="da-DK" sz="1400" b="0" i="1" smtClean="0">
+                            <a:rPr lang="da-DK" sz="1600" b="0" i="1" smtClean="0">
                               <a:latin typeface="Cambria Math" panose="02040503050406030204" pitchFamily="18" charset="0"/>
                             </a:rPr>
                             <m:t>−1,</m:t>
@@ -4690,26 +4692,26 @@
                           <m:sSub>
                             <m:sSubPr>
                               <m:ctrlPr>
-                                <a:rPr lang="da-DK" sz="1400" b="0" i="1" smtClean="0">
+                                <a:rPr lang="da-DK" sz="1600" b="0" i="1" smtClean="0">
                                   <a:latin typeface="Cambria Math" panose="02040503050406030204" pitchFamily="18" charset="0"/>
                                 </a:rPr>
                               </m:ctrlPr>
                             </m:sSubPr>
                             <m:e>
                               <m:r>
-                                <a:rPr lang="da-DK" sz="1400" b="0" i="1" smtClean="0">
+                                <a:rPr lang="da-DK" sz="1600" b="0" i="1" smtClean="0">
                                   <a:latin typeface="Cambria Math" panose="02040503050406030204" pitchFamily="18" charset="0"/>
                                 </a:rPr>
                                 <m:t>𝜏</m:t>
                               </m:r>
                               <m:r>
-                                <a:rPr lang="da-DK" sz="1400" b="0" i="1" smtClean="0">
+                                <a:rPr lang="da-DK" sz="1600" b="0" i="1" smtClean="0">
                                   <a:latin typeface="Cambria Math" panose="02040503050406030204" pitchFamily="18" charset="0"/>
                                 </a:rPr>
                                 <m:t>+</m:t>
                               </m:r>
                               <m:r>
-                                <a:rPr lang="da-DK" sz="1400" b="0" i="1" smtClean="0">
+                                <a:rPr lang="da-DK" sz="1600" b="0" i="1" smtClean="0">
                                   <a:latin typeface="Cambria Math" panose="02040503050406030204" pitchFamily="18" charset="0"/>
                                 </a:rPr>
                                 <m:t>𝑇</m:t>
@@ -4717,7 +4719,7 @@
                             </m:e>
                             <m:sub>
                               <m:r>
-                                <a:rPr lang="da-DK" sz="1400" b="0" i="1" smtClean="0">
+                                <a:rPr lang="da-DK" sz="1600" b="0" i="1" smtClean="0">
                                   <a:latin typeface="Cambria Math" panose="02040503050406030204" pitchFamily="18" charset="0"/>
                                 </a:rPr>
                                 <m:t>𝑇𝑅</m:t>
@@ -4725,7 +4727,7 @@
                             </m:sub>
                           </m:sSub>
                           <m:r>
-                            <a:rPr lang="da-DK" sz="1400" b="0" i="1" smtClean="0">
+                            <a:rPr lang="da-DK" sz="1600" b="0" i="1" smtClean="0">
                               <a:latin typeface="Cambria Math" panose="02040503050406030204" pitchFamily="18" charset="0"/>
                             </a:rPr>
                             <m:t>−1</m:t>
@@ -4735,7 +4737,7 @@
                     </m:oMath>
                   </a14:m>
                   <a:r>
-                    <a:rPr lang="da-DK" sz="1400" dirty="0">
+                    <a:rPr lang="da-DK" sz="1600" dirty="0">
                       <a:latin typeface="Garamond" panose="02020404030301010803" pitchFamily="18" charset="0"/>
                     </a:rPr>
                     <a:t> }</a:t>
@@ -4762,7 +4764,7 @@
               <p:spPr>
                 <a:xfrm>
                   <a:off x="1906907" y="5086807"/>
-                  <a:ext cx="5259068" cy="319703"/>
+                  <a:ext cx="6027419" cy="352148"/>
                 </a:xfrm>
                 <a:prstGeom prst="rect">
                   <a:avLst/>
@@ -4770,7 +4772,7 @@
                 <a:blipFill>
                   <a:blip r:embed="rId4"/>
                   <a:stretch>
-                    <a:fillRect l="-482" r="-482" b="-18519"/>
+                    <a:fillRect l="-420" t="-3571" b="-21429"/>
                   </a:stretch>
                 </a:blipFill>
               </p:spPr>
@@ -4810,7 +4812,7 @@
               <a:avLst/>
             </a:prstGeom>
             <a:solidFill>
-              <a:srgbClr val="2F5597"/>
+              <a:srgbClr val="010003"/>
             </a:solidFill>
             <a:ln>
               <a:noFill/>
@@ -4867,10 +4869,12 @@
               <a:avLst/>
             </a:prstGeom>
             <a:solidFill>
-              <a:srgbClr val="C55910"/>
+              <a:srgbClr val="BA8176"/>
             </a:solidFill>
             <a:ln>
-              <a:noFill/>
+              <a:solidFill>
+                <a:srgbClr val="BA8176"/>
+              </a:solidFill>
             </a:ln>
           </p:spPr>
           <p:style>
@@ -4920,7 +4924,7 @@
               <p:spPr>
                 <a:xfrm>
                   <a:off x="1906907" y="5561472"/>
-                  <a:ext cx="7008842" cy="319703"/>
+                  <a:ext cx="7966796" cy="352148"/>
                 </a:xfrm>
                 <a:prstGeom prst="rect">
                   <a:avLst/>
@@ -4934,7 +4938,7 @@
                 <a:lstStyle/>
                 <a:p>
                   <a:r>
-                    <a:rPr lang="da-DK" sz="1400" dirty="0">
+                    <a:rPr lang="da-DK" sz="1600" dirty="0">
                       <a:latin typeface="Garamond" panose="02020404030301010803" pitchFamily="18" charset="0"/>
                     </a:rPr>
                     <a:t>Validation Periods: { </a:t>
@@ -4944,7 +4948,7 @@
                       <m:sSub>
                         <m:sSubPr>
                           <m:ctrlPr>
-                            <a:rPr lang="da-DK" sz="1400" b="0" i="1" dirty="0" smtClean="0">
+                            <a:rPr lang="da-DK" sz="1600" b="0" i="1" dirty="0" smtClean="0">
                               <a:latin typeface="Cambria Math" panose="02040503050406030204" pitchFamily="18" charset="0"/>
                             </a:rPr>
                           </m:ctrlPr>
@@ -4954,14 +4958,14 @@
                             <m:accPr>
                               <m:chr m:val="̂"/>
                               <m:ctrlPr>
-                                <a:rPr lang="da-DK" sz="1400" b="1" smtClean="0">
+                                <a:rPr lang="da-DK" sz="1600" b="1" i="1" smtClean="0">
                                   <a:latin typeface="Cambria Math" panose="02040503050406030204" pitchFamily="18" charset="0"/>
                                 </a:rPr>
                               </m:ctrlPr>
                             </m:accPr>
                             <m:e>
                               <m:r>
-                                <a:rPr lang="da-DK" sz="1400" b="1" i="0" smtClean="0">
+                                <a:rPr lang="da-DK" sz="1600" b="1" i="0" smtClean="0">
                                   <a:latin typeface="Cambria Math" panose="02040503050406030204" pitchFamily="18" charset="0"/>
                                 </a:rPr>
                                 <m:t>𝛏</m:t>
@@ -4971,7 +4975,7 @@
                         </m:e>
                         <m:sub>
                           <m:r>
-                            <a:rPr lang="da-DK" sz="1400" b="0" i="1" dirty="0" smtClean="0">
+                            <a:rPr lang="da-DK" sz="1600" b="0" i="1" dirty="0" smtClean="0">
                               <a:latin typeface="Cambria Math" panose="02040503050406030204" pitchFamily="18" charset="0"/>
                             </a:rPr>
                             <m:t>𝑖</m:t>
@@ -4981,7 +4985,7 @@
                     </m:oMath>
                   </a14:m>
                   <a:r>
-                    <a:rPr lang="da-DK" sz="1400" dirty="0">
+                    <a:rPr lang="da-DK" sz="1600" dirty="0">
                       <a:latin typeface="Garamond" panose="02020404030301010803" pitchFamily="18" charset="0"/>
                     </a:rPr>
                     <a:t> : </a:t>
@@ -4989,13 +4993,13 @@
                   <a14:m>
                     <m:oMath xmlns:m="http://schemas.openxmlformats.org/officeDocument/2006/math">
                       <m:r>
-                        <a:rPr lang="da-DK" sz="1400" b="0" i="1" smtClean="0">
+                        <a:rPr lang="da-DK" sz="1600" b="0" i="1" smtClean="0">
                           <a:latin typeface="Cambria Math" panose="02040503050406030204" pitchFamily="18" charset="0"/>
                         </a:rPr>
                         <m:t>𝑖</m:t>
                       </m:r>
                       <m:r>
-                        <a:rPr lang="da-DK" sz="1400" b="0" i="1" smtClean="0">
+                        <a:rPr lang="da-DK" sz="1600" b="0" i="1" smtClean="0">
                           <a:latin typeface="Cambria Math" panose="02040503050406030204" pitchFamily="18" charset="0"/>
                         </a:rPr>
                         <m:t>∈</m:t>
@@ -5005,20 +5009,20 @@
                           <m:begChr m:val="{"/>
                           <m:endChr m:val="}"/>
                           <m:ctrlPr>
-                            <a:rPr lang="da-DK" sz="1400" b="0" i="1" smtClean="0">
+                            <a:rPr lang="da-DK" sz="1600" b="0" i="1" smtClean="0">
                               <a:latin typeface="Cambria Math" panose="02040503050406030204" pitchFamily="18" charset="0"/>
                             </a:rPr>
                           </m:ctrlPr>
                         </m:dPr>
                         <m:e>
                           <m:r>
-                            <a:rPr lang="da-DK" sz="1400" b="0" i="1" smtClean="0">
+                            <a:rPr lang="da-DK" sz="1600" b="0" i="1" smtClean="0">
                               <a:latin typeface="Cambria Math" panose="02040503050406030204" pitchFamily="18" charset="0"/>
                             </a:rPr>
                             <m:t>𝜏</m:t>
                           </m:r>
                           <m:r>
-                            <a:rPr lang="da-DK" sz="1400" b="0" i="1" smtClean="0">
+                            <a:rPr lang="da-DK" sz="1600" b="0" i="1" smtClean="0">
                               <a:latin typeface="Cambria Math" panose="02040503050406030204" pitchFamily="18" charset="0"/>
                             </a:rPr>
                             <m:t>+</m:t>
@@ -5026,14 +5030,14 @@
                           <m:sSub>
                             <m:sSubPr>
                               <m:ctrlPr>
-                                <a:rPr lang="da-DK" sz="1400" b="0" i="1" smtClean="0">
+                                <a:rPr lang="da-DK" sz="1600" b="0" i="1" smtClean="0">
                                   <a:latin typeface="Cambria Math" panose="02040503050406030204" pitchFamily="18" charset="0"/>
                                 </a:rPr>
                               </m:ctrlPr>
                             </m:sSubPr>
                             <m:e>
                               <m:r>
-                                <a:rPr lang="da-DK" sz="1400" b="0" i="1" smtClean="0">
+                                <a:rPr lang="da-DK" sz="1600" b="0" i="1" smtClean="0">
                                   <a:latin typeface="Cambria Math" panose="02040503050406030204" pitchFamily="18" charset="0"/>
                                 </a:rPr>
                                 <m:t>𝑇</m:t>
@@ -5041,7 +5045,7 @@
                             </m:e>
                             <m:sub>
                               <m:r>
-                                <a:rPr lang="da-DK" sz="1400" b="0" i="1" smtClean="0">
+                                <a:rPr lang="da-DK" sz="1600" b="0" i="1" smtClean="0">
                                   <a:latin typeface="Cambria Math" panose="02040503050406030204" pitchFamily="18" charset="0"/>
                                 </a:rPr>
                                 <m:t>𝑇𝑅</m:t>
@@ -5049,19 +5053,19 @@
                             </m:sub>
                           </m:sSub>
                           <m:r>
-                            <a:rPr lang="da-DK" sz="1400" b="0" i="1" smtClean="0">
+                            <a:rPr lang="da-DK" sz="1600" b="0" i="1" smtClean="0">
                               <a:latin typeface="Cambria Math" panose="02040503050406030204" pitchFamily="18" charset="0"/>
                             </a:rPr>
                             <m:t>,</m:t>
                           </m:r>
                           <m:r>
-                            <a:rPr lang="da-DK" sz="1400" b="0" i="1" smtClean="0">
+                            <a:rPr lang="da-DK" sz="1600" b="0" i="1" smtClean="0">
                               <a:latin typeface="Cambria Math" panose="02040503050406030204" pitchFamily="18" charset="0"/>
                             </a:rPr>
                             <m:t>𝜏</m:t>
                           </m:r>
                           <m:r>
-                            <a:rPr lang="da-DK" sz="1400" b="0" i="1" smtClean="0">
+                            <a:rPr lang="da-DK" sz="1600" b="0" i="1" smtClean="0">
                               <a:latin typeface="Cambria Math" panose="02040503050406030204" pitchFamily="18" charset="0"/>
                             </a:rPr>
                             <m:t>+</m:t>
@@ -5069,14 +5073,14 @@
                           <m:sSub>
                             <m:sSubPr>
                               <m:ctrlPr>
-                                <a:rPr lang="da-DK" sz="1400" b="0" i="1" smtClean="0">
+                                <a:rPr lang="da-DK" sz="1600" b="0" i="1" smtClean="0">
                                   <a:latin typeface="Cambria Math" panose="02040503050406030204" pitchFamily="18" charset="0"/>
                                 </a:rPr>
                               </m:ctrlPr>
                             </m:sSubPr>
                             <m:e>
                               <m:r>
-                                <a:rPr lang="da-DK" sz="1400" b="0" i="1" smtClean="0">
+                                <a:rPr lang="da-DK" sz="1600" b="0" i="1" smtClean="0">
                                   <a:latin typeface="Cambria Math" panose="02040503050406030204" pitchFamily="18" charset="0"/>
                                 </a:rPr>
                                 <m:t>𝑇</m:t>
@@ -5084,7 +5088,7 @@
                             </m:e>
                             <m:sub>
                               <m:r>
-                                <a:rPr lang="da-DK" sz="1400" b="0" i="1" smtClean="0">
+                                <a:rPr lang="da-DK" sz="1600" b="0" i="1" smtClean="0">
                                   <a:latin typeface="Cambria Math" panose="02040503050406030204" pitchFamily="18" charset="0"/>
                                 </a:rPr>
                                 <m:t>𝑇𝑅</m:t>
@@ -5092,25 +5096,19 @@
                             </m:sub>
                           </m:sSub>
                           <m:r>
-                            <a:rPr lang="da-DK" sz="1400" b="0" i="1" smtClean="0">
-                              <a:latin typeface="Cambria Math" panose="02040503050406030204" pitchFamily="18" charset="0"/>
-                            </a:rPr>
-                            <m:t>+</m:t>
-                          </m:r>
-                          <m:r>
-                            <a:rPr lang="da-DK" sz="1400" b="0" i="1" smtClean="0">
-                              <a:latin typeface="Cambria Math" panose="02040503050406030204" pitchFamily="18" charset="0"/>
-                            </a:rPr>
-                            <m:t>1,  …,</m:t>
-                          </m:r>
-                          <m:r>
-                            <a:rPr lang="da-DK" sz="1400" b="0" i="1" smtClean="0">
+                            <a:rPr lang="da-DK" sz="1600" b="0" i="1" smtClean="0">
+                              <a:latin typeface="Cambria Math" panose="02040503050406030204" pitchFamily="18" charset="0"/>
+                            </a:rPr>
+                            <m:t>+1,  …,</m:t>
+                          </m:r>
+                          <m:r>
+                            <a:rPr lang="da-DK" sz="1600" b="0" i="1" smtClean="0">
                               <a:latin typeface="Cambria Math" panose="02040503050406030204" pitchFamily="18" charset="0"/>
                             </a:rPr>
                             <m:t>𝜏</m:t>
                           </m:r>
                           <m:r>
-                            <a:rPr lang="da-DK" sz="1400" b="0" i="1" smtClean="0">
+                            <a:rPr lang="da-DK" sz="1600" b="0" i="1" smtClean="0">
                               <a:latin typeface="Cambria Math" panose="02040503050406030204" pitchFamily="18" charset="0"/>
                             </a:rPr>
                             <m:t>+</m:t>
@@ -5118,14 +5116,14 @@
                           <m:sSub>
                             <m:sSubPr>
                               <m:ctrlPr>
-                                <a:rPr lang="da-DK" sz="1400" b="0" i="1" smtClean="0">
+                                <a:rPr lang="da-DK" sz="1600" b="0" i="1" smtClean="0">
                                   <a:latin typeface="Cambria Math" panose="02040503050406030204" pitchFamily="18" charset="0"/>
                                 </a:rPr>
                               </m:ctrlPr>
                             </m:sSubPr>
                             <m:e>
                               <m:r>
-                                <a:rPr lang="da-DK" sz="1400" b="0" i="1" smtClean="0">
+                                <a:rPr lang="da-DK" sz="1600" b="0" i="1" smtClean="0">
                                   <a:latin typeface="Cambria Math" panose="02040503050406030204" pitchFamily="18" charset="0"/>
                                 </a:rPr>
                                 <m:t>𝑇</m:t>
@@ -5133,7 +5131,7 @@
                             </m:e>
                             <m:sub>
                               <m:r>
-                                <a:rPr lang="da-DK" sz="1400" b="0" i="1" smtClean="0">
+                                <a:rPr lang="da-DK" sz="1600" b="0" i="1" smtClean="0">
                                   <a:latin typeface="Cambria Math" panose="02040503050406030204" pitchFamily="18" charset="0"/>
                                 </a:rPr>
                                 <m:t>𝑇𝑅</m:t>
@@ -5141,7 +5139,7 @@
                             </m:sub>
                           </m:sSub>
                           <m:r>
-                            <a:rPr lang="da-DK" sz="1400" b="0" i="1" smtClean="0">
+                            <a:rPr lang="da-DK" sz="1600" b="0" i="1" smtClean="0">
                               <a:latin typeface="Cambria Math" panose="02040503050406030204" pitchFamily="18" charset="0"/>
                             </a:rPr>
                             <m:t>+</m:t>
@@ -5149,14 +5147,14 @@
                           <m:sSub>
                             <m:sSubPr>
                               <m:ctrlPr>
-                                <a:rPr lang="da-DK" sz="1400" b="0" i="1" smtClean="0">
+                                <a:rPr lang="da-DK" sz="1600" b="0" i="1" smtClean="0">
                                   <a:latin typeface="Cambria Math" panose="02040503050406030204" pitchFamily="18" charset="0"/>
                                 </a:rPr>
                               </m:ctrlPr>
                             </m:sSubPr>
                             <m:e>
                               <m:r>
-                                <a:rPr lang="da-DK" sz="1400" b="0" i="1" smtClean="0">
+                                <a:rPr lang="da-DK" sz="1600" b="0" i="1" smtClean="0">
                                   <a:latin typeface="Cambria Math" panose="02040503050406030204" pitchFamily="18" charset="0"/>
                                 </a:rPr>
                                 <m:t>𝑇</m:t>
@@ -5164,7 +5162,7 @@
                             </m:e>
                             <m:sub>
                               <m:r>
-                                <a:rPr lang="da-DK" sz="1400" b="0" i="1" smtClean="0">
+                                <a:rPr lang="da-DK" sz="1600" b="0" i="1" smtClean="0">
                                   <a:latin typeface="Cambria Math" panose="02040503050406030204" pitchFamily="18" charset="0"/>
                                 </a:rPr>
                                 <m:t>𝑉</m:t>
@@ -5172,25 +5170,19 @@
                             </m:sub>
                           </m:sSub>
                           <m:r>
-                            <a:rPr lang="da-DK" sz="1400" b="0" i="1" smtClean="0">
-                              <a:latin typeface="Cambria Math" panose="02040503050406030204" pitchFamily="18" charset="0"/>
-                            </a:rPr>
-                            <m:t>−2</m:t>
-                          </m:r>
-                          <m:r>
-                            <a:rPr lang="da-DK" sz="1400" b="0" i="1" smtClean="0">
-                              <a:latin typeface="Cambria Math" panose="02040503050406030204" pitchFamily="18" charset="0"/>
-                            </a:rPr>
-                            <m:t>,</m:t>
-                          </m:r>
-                          <m:r>
-                            <a:rPr lang="da-DK" sz="1400" b="0" i="1" smtClean="0">
+                            <a:rPr lang="da-DK" sz="1600" b="0" i="1" smtClean="0">
+                              <a:latin typeface="Cambria Math" panose="02040503050406030204" pitchFamily="18" charset="0"/>
+                            </a:rPr>
+                            <m:t>−2,</m:t>
+                          </m:r>
+                          <m:r>
+                            <a:rPr lang="da-DK" sz="1600" b="0" i="1" smtClean="0">
                               <a:latin typeface="Cambria Math" panose="02040503050406030204" pitchFamily="18" charset="0"/>
                             </a:rPr>
                             <m:t>𝜏</m:t>
                           </m:r>
                           <m:r>
-                            <a:rPr lang="da-DK" sz="1400" b="0" i="1" smtClean="0">
+                            <a:rPr lang="da-DK" sz="1600" b="0" i="1" smtClean="0">
                               <a:latin typeface="Cambria Math" panose="02040503050406030204" pitchFamily="18" charset="0"/>
                             </a:rPr>
                             <m:t>+</m:t>
@@ -5198,14 +5190,14 @@
                           <m:sSub>
                             <m:sSubPr>
                               <m:ctrlPr>
-                                <a:rPr lang="da-DK" sz="1400" b="0" i="1" smtClean="0">
+                                <a:rPr lang="da-DK" sz="1600" b="0" i="1" smtClean="0">
                                   <a:latin typeface="Cambria Math" panose="02040503050406030204" pitchFamily="18" charset="0"/>
                                 </a:rPr>
                               </m:ctrlPr>
                             </m:sSubPr>
                             <m:e>
                               <m:r>
-                                <a:rPr lang="da-DK" sz="1400" b="0" i="1" smtClean="0">
+                                <a:rPr lang="da-DK" sz="1600" b="0" i="1" smtClean="0">
                                   <a:latin typeface="Cambria Math" panose="02040503050406030204" pitchFamily="18" charset="0"/>
                                 </a:rPr>
                                 <m:t>𝑇</m:t>
@@ -5213,7 +5205,7 @@
                             </m:e>
                             <m:sub>
                               <m:r>
-                                <a:rPr lang="da-DK" sz="1400" b="0" i="1" smtClean="0">
+                                <a:rPr lang="da-DK" sz="1600" b="0" i="1" smtClean="0">
                                   <a:latin typeface="Cambria Math" panose="02040503050406030204" pitchFamily="18" charset="0"/>
                                 </a:rPr>
                                 <m:t>𝑇𝑅</m:t>
@@ -5221,7 +5213,7 @@
                             </m:sub>
                           </m:sSub>
                           <m:r>
-                            <a:rPr lang="da-DK" sz="1400" b="0" i="1" smtClean="0">
+                            <a:rPr lang="da-DK" sz="1600" b="0" i="1" smtClean="0">
                               <a:latin typeface="Cambria Math" panose="02040503050406030204" pitchFamily="18" charset="0"/>
                             </a:rPr>
                             <m:t>+</m:t>
@@ -5229,14 +5221,14 @@
                           <m:sSub>
                             <m:sSubPr>
                               <m:ctrlPr>
-                                <a:rPr lang="da-DK" sz="1400" b="0" i="1" smtClean="0">
+                                <a:rPr lang="da-DK" sz="1600" b="0" i="1" smtClean="0">
                                   <a:latin typeface="Cambria Math" panose="02040503050406030204" pitchFamily="18" charset="0"/>
                                 </a:rPr>
                               </m:ctrlPr>
                             </m:sSubPr>
                             <m:e>
                               <m:r>
-                                <a:rPr lang="da-DK" sz="1400" b="0" i="1" smtClean="0">
+                                <a:rPr lang="da-DK" sz="1600" b="0" i="1" smtClean="0">
                                   <a:latin typeface="Cambria Math" panose="02040503050406030204" pitchFamily="18" charset="0"/>
                                 </a:rPr>
                                 <m:t>𝑇</m:t>
@@ -5244,7 +5236,7 @@
                             </m:e>
                             <m:sub>
                               <m:r>
-                                <a:rPr lang="da-DK" sz="1400" b="0" i="1" smtClean="0">
+                                <a:rPr lang="da-DK" sz="1600" b="0" i="1" smtClean="0">
                                   <a:latin typeface="Cambria Math" panose="02040503050406030204" pitchFamily="18" charset="0"/>
                                 </a:rPr>
                                 <m:t>𝑉</m:t>
@@ -5252,7 +5244,7 @@
                             </m:sub>
                           </m:sSub>
                           <m:r>
-                            <a:rPr lang="da-DK" sz="1400" b="0" i="1" smtClean="0">
+                            <a:rPr lang="da-DK" sz="1600" b="0" i="1" smtClean="0">
                               <a:latin typeface="Cambria Math" panose="02040503050406030204" pitchFamily="18" charset="0"/>
                             </a:rPr>
                             <m:t>−1</m:t>
@@ -5262,7 +5254,7 @@
                     </m:oMath>
                   </a14:m>
                   <a:r>
-                    <a:rPr lang="da-DK" sz="1400" dirty="0">
+                    <a:rPr lang="da-DK" sz="1600" dirty="0">
                       <a:latin typeface="Garamond" panose="02020404030301010803" pitchFamily="18" charset="0"/>
                     </a:rPr>
                     <a:t> }</a:t>
@@ -5289,7 +5281,7 @@
               <p:spPr>
                 <a:xfrm>
                   <a:off x="1906907" y="5561472"/>
-                  <a:ext cx="7008842" cy="319703"/>
+                  <a:ext cx="7966796" cy="352148"/>
                 </a:xfrm>
                 <a:prstGeom prst="rect">
                   <a:avLst/>
@@ -5297,7 +5289,7 @@
                 <a:blipFill>
                   <a:blip r:embed="rId5"/>
                   <a:stretch>
-                    <a:fillRect l="-362" b="-19231"/>
+                    <a:fillRect l="-318" b="-17241"/>
                   </a:stretch>
                 </a:blipFill>
               </p:spPr>
@@ -5337,7 +5329,7 @@
               <a:avLst/>
             </a:prstGeom>
             <a:solidFill>
-              <a:srgbClr val="C01900"/>
+              <a:srgbClr val="C85F4D"/>
             </a:solidFill>
             <a:ln>
               <a:noFill/>
@@ -5389,8 +5381,8 @@
               </p:nvSpPr>
               <p:spPr>
                 <a:xfrm>
-                  <a:off x="1906907" y="6036023"/>
-                  <a:ext cx="8800294" cy="319703"/>
+                  <a:off x="1906907" y="6036079"/>
+                  <a:ext cx="9965292" cy="352148"/>
                 </a:xfrm>
                 <a:prstGeom prst="rect">
                   <a:avLst/>
@@ -5404,7 +5396,7 @@
                 <a:lstStyle/>
                 <a:p>
                   <a:r>
-                    <a:rPr lang="da-DK" sz="1400" dirty="0">
+                    <a:rPr lang="da-DK" sz="1600" dirty="0">
                       <a:latin typeface="Garamond" panose="02020404030301010803" pitchFamily="18" charset="0"/>
                     </a:rPr>
                     <a:t>Testing Periods:     { </a:t>
@@ -5414,7 +5406,7 @@
                       <m:sSub>
                         <m:sSubPr>
                           <m:ctrlPr>
-                            <a:rPr lang="da-DK" sz="1400" b="0" i="1" dirty="0" smtClean="0">
+                            <a:rPr lang="da-DK" sz="1600" b="0" i="1" dirty="0" smtClean="0">
                               <a:latin typeface="Cambria Math" panose="02040503050406030204" pitchFamily="18" charset="0"/>
                             </a:rPr>
                           </m:ctrlPr>
@@ -5424,14 +5416,14 @@
                             <m:accPr>
                               <m:chr m:val="̂"/>
                               <m:ctrlPr>
-                                <a:rPr lang="da-DK" sz="1400" b="1" smtClean="0">
+                                <a:rPr lang="da-DK" sz="1600" b="1" i="1" smtClean="0">
                                   <a:latin typeface="Cambria Math" panose="02040503050406030204" pitchFamily="18" charset="0"/>
                                 </a:rPr>
                               </m:ctrlPr>
                             </m:accPr>
                             <m:e>
                               <m:r>
-                                <a:rPr lang="da-DK" sz="1400" b="1" i="0" smtClean="0">
+                                <a:rPr lang="da-DK" sz="1600" b="1" i="0" smtClean="0">
                                   <a:latin typeface="Cambria Math" panose="02040503050406030204" pitchFamily="18" charset="0"/>
                                 </a:rPr>
                                 <m:t>𝛏</m:t>
@@ -5441,7 +5433,7 @@
                         </m:e>
                         <m:sub>
                           <m:r>
-                            <a:rPr lang="da-DK" sz="1400" b="0" i="1" dirty="0" smtClean="0">
+                            <a:rPr lang="da-DK" sz="1600" b="0" i="1" dirty="0" smtClean="0">
                               <a:latin typeface="Cambria Math" panose="02040503050406030204" pitchFamily="18" charset="0"/>
                             </a:rPr>
                             <m:t>𝑖</m:t>
@@ -5451,7 +5443,7 @@
                     </m:oMath>
                   </a14:m>
                   <a:r>
-                    <a:rPr lang="da-DK" sz="1400" dirty="0">
+                    <a:rPr lang="da-DK" sz="1600" dirty="0">
                       <a:latin typeface="Garamond" panose="02020404030301010803" pitchFamily="18" charset="0"/>
                     </a:rPr>
                     <a:t> : </a:t>
@@ -5459,13 +5451,13 @@
                   <a14:m>
                     <m:oMath xmlns:m="http://schemas.openxmlformats.org/officeDocument/2006/math">
                       <m:r>
-                        <a:rPr lang="da-DK" sz="1400" b="0" i="1" smtClean="0">
+                        <a:rPr lang="da-DK" sz="1600" b="0" i="1" smtClean="0">
                           <a:latin typeface="Cambria Math" panose="02040503050406030204" pitchFamily="18" charset="0"/>
                         </a:rPr>
                         <m:t>𝑖</m:t>
                       </m:r>
                       <m:r>
-                        <a:rPr lang="da-DK" sz="1400" b="0" i="1" smtClean="0">
+                        <a:rPr lang="da-DK" sz="1600" b="0" i="1" smtClean="0">
                           <a:latin typeface="Cambria Math" panose="02040503050406030204" pitchFamily="18" charset="0"/>
                         </a:rPr>
                         <m:t>∈</m:t>
@@ -5475,20 +5467,20 @@
                           <m:begChr m:val="{"/>
                           <m:endChr m:val="}"/>
                           <m:ctrlPr>
-                            <a:rPr lang="da-DK" sz="1400" b="0" i="1" smtClean="0">
+                            <a:rPr lang="da-DK" sz="1600" b="0" i="1" smtClean="0">
                               <a:latin typeface="Cambria Math" panose="02040503050406030204" pitchFamily="18" charset="0"/>
                             </a:rPr>
                           </m:ctrlPr>
                         </m:dPr>
                         <m:e>
                           <m:r>
-                            <a:rPr lang="da-DK" sz="1400" b="0" i="1" smtClean="0">
+                            <a:rPr lang="da-DK" sz="1600" b="0" i="1" smtClean="0">
                               <a:latin typeface="Cambria Math" panose="02040503050406030204" pitchFamily="18" charset="0"/>
                             </a:rPr>
                             <m:t>𝜏</m:t>
                           </m:r>
                           <m:r>
-                            <a:rPr lang="da-DK" sz="1400" b="0" i="1" smtClean="0">
+                            <a:rPr lang="da-DK" sz="1600" b="0" i="1" smtClean="0">
                               <a:latin typeface="Cambria Math" panose="02040503050406030204" pitchFamily="18" charset="0"/>
                             </a:rPr>
                             <m:t>+</m:t>
@@ -5496,14 +5488,14 @@
                           <m:sSub>
                             <m:sSubPr>
                               <m:ctrlPr>
-                                <a:rPr lang="da-DK" sz="1400" b="0" i="1" smtClean="0">
+                                <a:rPr lang="da-DK" sz="1600" b="0" i="1" smtClean="0">
                                   <a:latin typeface="Cambria Math" panose="02040503050406030204" pitchFamily="18" charset="0"/>
                                 </a:rPr>
                               </m:ctrlPr>
                             </m:sSubPr>
                             <m:e>
                               <m:r>
-                                <a:rPr lang="da-DK" sz="1400" b="0" i="1" smtClean="0">
+                                <a:rPr lang="da-DK" sz="1600" b="0" i="1" smtClean="0">
                                   <a:latin typeface="Cambria Math" panose="02040503050406030204" pitchFamily="18" charset="0"/>
                                 </a:rPr>
                                 <m:t>𝑇</m:t>
@@ -5511,7 +5503,7 @@
                             </m:e>
                             <m:sub>
                               <m:r>
-                                <a:rPr lang="da-DK" sz="1400" b="0" i="1" smtClean="0">
+                                <a:rPr lang="da-DK" sz="1600" b="0" i="1" smtClean="0">
                                   <a:latin typeface="Cambria Math" panose="02040503050406030204" pitchFamily="18" charset="0"/>
                                 </a:rPr>
                                 <m:t>𝑇𝑅</m:t>
@@ -5519,7 +5511,7 @@
                             </m:sub>
                           </m:sSub>
                           <m:r>
-                            <a:rPr lang="da-DK" sz="1400" b="0" i="1" smtClean="0">
+                            <a:rPr lang="da-DK" sz="1600" b="0" i="1" smtClean="0">
                               <a:latin typeface="Cambria Math" panose="02040503050406030204" pitchFamily="18" charset="0"/>
                             </a:rPr>
                             <m:t>+</m:t>
@@ -5527,14 +5519,14 @@
                           <m:sSub>
                             <m:sSubPr>
                               <m:ctrlPr>
-                                <a:rPr lang="da-DK" sz="1400" b="0" i="1" smtClean="0">
+                                <a:rPr lang="da-DK" sz="1600" b="0" i="1" smtClean="0">
                                   <a:latin typeface="Cambria Math" panose="02040503050406030204" pitchFamily="18" charset="0"/>
                                 </a:rPr>
                               </m:ctrlPr>
                             </m:sSubPr>
                             <m:e>
                               <m:r>
-                                <a:rPr lang="da-DK" sz="1400" b="0" i="1" smtClean="0">
+                                <a:rPr lang="da-DK" sz="1600" b="0" i="1" smtClean="0">
                                   <a:latin typeface="Cambria Math" panose="02040503050406030204" pitchFamily="18" charset="0"/>
                                 </a:rPr>
                                 <m:t>𝑇</m:t>
@@ -5542,7 +5534,7 @@
                             </m:e>
                             <m:sub>
                               <m:r>
-                                <a:rPr lang="da-DK" sz="1400" b="0" i="1" smtClean="0">
+                                <a:rPr lang="da-DK" sz="1600" b="0" i="1" smtClean="0">
                                   <a:latin typeface="Cambria Math" panose="02040503050406030204" pitchFamily="18" charset="0"/>
                                 </a:rPr>
                                 <m:t>𝑉</m:t>
@@ -5550,19 +5542,19 @@
                             </m:sub>
                           </m:sSub>
                           <m:r>
-                            <a:rPr lang="da-DK" sz="1400" b="0" i="1" smtClean="0">
+                            <a:rPr lang="da-DK" sz="1600" b="0" i="1" smtClean="0">
                               <a:latin typeface="Cambria Math" panose="02040503050406030204" pitchFamily="18" charset="0"/>
                             </a:rPr>
                             <m:t>,</m:t>
                           </m:r>
                           <m:r>
-                            <a:rPr lang="da-DK" sz="1400" b="0" i="1" smtClean="0">
+                            <a:rPr lang="da-DK" sz="1600" b="0" i="1" smtClean="0">
                               <a:latin typeface="Cambria Math" panose="02040503050406030204" pitchFamily="18" charset="0"/>
                             </a:rPr>
                             <m:t>𝜏</m:t>
                           </m:r>
                           <m:r>
-                            <a:rPr lang="da-DK" sz="1400" b="0" i="1" smtClean="0">
+                            <a:rPr lang="da-DK" sz="1600" b="0" i="1" smtClean="0">
                               <a:latin typeface="Cambria Math" panose="02040503050406030204" pitchFamily="18" charset="0"/>
                             </a:rPr>
                             <m:t>+</m:t>
@@ -5570,14 +5562,14 @@
                           <m:sSub>
                             <m:sSubPr>
                               <m:ctrlPr>
-                                <a:rPr lang="da-DK" sz="1400" b="0" i="1" smtClean="0">
+                                <a:rPr lang="da-DK" sz="1600" b="0" i="1" smtClean="0">
                                   <a:latin typeface="Cambria Math" panose="02040503050406030204" pitchFamily="18" charset="0"/>
                                 </a:rPr>
                               </m:ctrlPr>
                             </m:sSubPr>
                             <m:e>
                               <m:r>
-                                <a:rPr lang="da-DK" sz="1400" b="0" i="1" smtClean="0">
+                                <a:rPr lang="da-DK" sz="1600" b="0" i="1" smtClean="0">
                                   <a:latin typeface="Cambria Math" panose="02040503050406030204" pitchFamily="18" charset="0"/>
                                 </a:rPr>
                                 <m:t>𝑇</m:t>
@@ -5585,7 +5577,7 @@
                             </m:e>
                             <m:sub>
                               <m:r>
-                                <a:rPr lang="da-DK" sz="1400" b="0" i="1" smtClean="0">
+                                <a:rPr lang="da-DK" sz="1600" b="0" i="1" smtClean="0">
                                   <a:latin typeface="Cambria Math" panose="02040503050406030204" pitchFamily="18" charset="0"/>
                                 </a:rPr>
                                 <m:t>𝑇𝑅</m:t>
@@ -5593,7 +5585,7 @@
                             </m:sub>
                           </m:sSub>
                           <m:r>
-                            <a:rPr lang="da-DK" sz="1400" b="0" i="1" smtClean="0">
+                            <a:rPr lang="da-DK" sz="1600" b="0" i="1" smtClean="0">
                               <a:latin typeface="Cambria Math" panose="02040503050406030204" pitchFamily="18" charset="0"/>
                             </a:rPr>
                             <m:t>+</m:t>
@@ -5601,14 +5593,14 @@
                           <m:sSub>
                             <m:sSubPr>
                               <m:ctrlPr>
-                                <a:rPr lang="da-DK" sz="1400" b="0" i="1" smtClean="0">
+                                <a:rPr lang="da-DK" sz="1600" b="0" i="1" smtClean="0">
                                   <a:latin typeface="Cambria Math" panose="02040503050406030204" pitchFamily="18" charset="0"/>
                                 </a:rPr>
                               </m:ctrlPr>
                             </m:sSubPr>
                             <m:e>
                               <m:r>
-                                <a:rPr lang="da-DK" sz="1400" b="0" i="1" smtClean="0">
+                                <a:rPr lang="da-DK" sz="1600" b="0" i="1" smtClean="0">
                                   <a:latin typeface="Cambria Math" panose="02040503050406030204" pitchFamily="18" charset="0"/>
                                 </a:rPr>
                                 <m:t>𝑇</m:t>
@@ -5616,7 +5608,7 @@
                             </m:e>
                             <m:sub>
                               <m:r>
-                                <a:rPr lang="da-DK" sz="1400" b="0" i="1" smtClean="0">
+                                <a:rPr lang="da-DK" sz="1600" b="0" i="1" smtClean="0">
                                   <a:latin typeface="Cambria Math" panose="02040503050406030204" pitchFamily="18" charset="0"/>
                                 </a:rPr>
                                 <m:t>𝑉</m:t>
@@ -5624,31 +5616,19 @@
                             </m:sub>
                           </m:sSub>
                           <m:r>
-                            <a:rPr lang="da-DK" sz="1400" b="0" i="1" smtClean="0">
-                              <a:latin typeface="Cambria Math" panose="02040503050406030204" pitchFamily="18" charset="0"/>
-                            </a:rPr>
-                            <m:t>+</m:t>
-                          </m:r>
-                          <m:r>
-                            <a:rPr lang="da-DK" sz="1400" b="0" i="1" smtClean="0">
-                              <a:latin typeface="Cambria Math" panose="02040503050406030204" pitchFamily="18" charset="0"/>
-                            </a:rPr>
-                            <m:t>1</m:t>
-                          </m:r>
-                          <m:r>
-                            <a:rPr lang="da-DK" sz="1400" b="0" i="1" smtClean="0">
-                              <a:latin typeface="Cambria Math" panose="02040503050406030204" pitchFamily="18" charset="0"/>
-                            </a:rPr>
-                            <m:t>,  …,</m:t>
-                          </m:r>
-                          <m:r>
-                            <a:rPr lang="da-DK" sz="1400" b="0" i="1" smtClean="0">
+                            <a:rPr lang="da-DK" sz="1600" b="0" i="1" smtClean="0">
+                              <a:latin typeface="Cambria Math" panose="02040503050406030204" pitchFamily="18" charset="0"/>
+                            </a:rPr>
+                            <m:t>+1,  …,</m:t>
+                          </m:r>
+                          <m:r>
+                            <a:rPr lang="da-DK" sz="1600" b="0" i="1" smtClean="0">
                               <a:latin typeface="Cambria Math" panose="02040503050406030204" pitchFamily="18" charset="0"/>
                             </a:rPr>
                             <m:t>𝜏</m:t>
                           </m:r>
                           <m:r>
-                            <a:rPr lang="da-DK" sz="1400" b="0" i="1" smtClean="0">
+                            <a:rPr lang="da-DK" sz="1600" b="0" i="1" smtClean="0">
                               <a:latin typeface="Cambria Math" panose="02040503050406030204" pitchFamily="18" charset="0"/>
                             </a:rPr>
                             <m:t>+</m:t>
@@ -5656,14 +5636,14 @@
                           <m:sSub>
                             <m:sSubPr>
                               <m:ctrlPr>
-                                <a:rPr lang="da-DK" sz="1400" b="0" i="1" smtClean="0">
+                                <a:rPr lang="da-DK" sz="1600" b="0" i="1" smtClean="0">
                                   <a:latin typeface="Cambria Math" panose="02040503050406030204" pitchFamily="18" charset="0"/>
                                 </a:rPr>
                               </m:ctrlPr>
                             </m:sSubPr>
                             <m:e>
                               <m:r>
-                                <a:rPr lang="da-DK" sz="1400" b="0" i="1" smtClean="0">
+                                <a:rPr lang="da-DK" sz="1600" b="0" i="1" smtClean="0">
                                   <a:latin typeface="Cambria Math" panose="02040503050406030204" pitchFamily="18" charset="0"/>
                                 </a:rPr>
                                 <m:t>𝑇</m:t>
@@ -5671,7 +5651,7 @@
                             </m:e>
                             <m:sub>
                               <m:r>
-                                <a:rPr lang="da-DK" sz="1400" b="0" i="1" smtClean="0">
+                                <a:rPr lang="da-DK" sz="1600" b="0" i="1" smtClean="0">
                                   <a:latin typeface="Cambria Math" panose="02040503050406030204" pitchFamily="18" charset="0"/>
                                 </a:rPr>
                                 <m:t>𝑇𝑅</m:t>
@@ -5679,7 +5659,7 @@
                             </m:sub>
                           </m:sSub>
                           <m:r>
-                            <a:rPr lang="da-DK" sz="1400" b="0" i="1" smtClean="0">
+                            <a:rPr lang="da-DK" sz="1600" b="0" i="1" smtClean="0">
                               <a:latin typeface="Cambria Math" panose="02040503050406030204" pitchFamily="18" charset="0"/>
                             </a:rPr>
                             <m:t>+</m:t>
@@ -5687,14 +5667,14 @@
                           <m:sSub>
                             <m:sSubPr>
                               <m:ctrlPr>
-                                <a:rPr lang="da-DK" sz="1400" b="0" i="1" smtClean="0">
+                                <a:rPr lang="da-DK" sz="1600" b="0" i="1" smtClean="0">
                                   <a:latin typeface="Cambria Math" panose="02040503050406030204" pitchFamily="18" charset="0"/>
                                 </a:rPr>
                               </m:ctrlPr>
                             </m:sSubPr>
                             <m:e>
                               <m:r>
-                                <a:rPr lang="da-DK" sz="1400" b="0" i="1" smtClean="0">
+                                <a:rPr lang="da-DK" sz="1600" b="0" i="1" smtClean="0">
                                   <a:latin typeface="Cambria Math" panose="02040503050406030204" pitchFamily="18" charset="0"/>
                                 </a:rPr>
                                 <m:t>𝑇</m:t>
@@ -5702,7 +5682,7 @@
                             </m:e>
                             <m:sub>
                               <m:r>
-                                <a:rPr lang="da-DK" sz="1400" b="0" i="1" smtClean="0">
+                                <a:rPr lang="da-DK" sz="1600" b="0" i="1" smtClean="0">
                                   <a:latin typeface="Cambria Math" panose="02040503050406030204" pitchFamily="18" charset="0"/>
                                 </a:rPr>
                                 <m:t>𝑉</m:t>
@@ -5710,7 +5690,7 @@
                             </m:sub>
                           </m:sSub>
                           <m:r>
-                            <a:rPr lang="da-DK" sz="1400" b="0" i="1" smtClean="0">
+                            <a:rPr lang="da-DK" sz="1600" b="0" i="1" smtClean="0">
                               <a:latin typeface="Cambria Math" panose="02040503050406030204" pitchFamily="18" charset="0"/>
                             </a:rPr>
                             <m:t>+</m:t>
@@ -5718,14 +5698,14 @@
                           <m:sSub>
                             <m:sSubPr>
                               <m:ctrlPr>
-                                <a:rPr lang="da-DK" sz="1400" b="0" i="1" smtClean="0">
+                                <a:rPr lang="da-DK" sz="1600" b="0" i="1" smtClean="0">
                                   <a:latin typeface="Cambria Math" panose="02040503050406030204" pitchFamily="18" charset="0"/>
                                 </a:rPr>
                               </m:ctrlPr>
                             </m:sSubPr>
                             <m:e>
                               <m:r>
-                                <a:rPr lang="da-DK" sz="1400" b="0" i="1" smtClean="0">
+                                <a:rPr lang="da-DK" sz="1600" b="0" i="1" smtClean="0">
                                   <a:latin typeface="Cambria Math" panose="02040503050406030204" pitchFamily="18" charset="0"/>
                                 </a:rPr>
                                 <m:t>𝑇</m:t>
@@ -5733,7 +5713,7 @@
                             </m:e>
                             <m:sub>
                               <m:r>
-                                <a:rPr lang="da-DK" sz="1400" b="0" i="1" smtClean="0">
+                                <a:rPr lang="da-DK" sz="1600" b="0" i="1" smtClean="0">
                                   <a:latin typeface="Cambria Math" panose="02040503050406030204" pitchFamily="18" charset="0"/>
                                 </a:rPr>
                                 <m:t>𝑇𝐸</m:t>
@@ -5741,31 +5721,19 @@
                             </m:sub>
                           </m:sSub>
                           <m:r>
-                            <a:rPr lang="da-DK" sz="1400" b="0" i="1" smtClean="0">
-                              <a:latin typeface="Cambria Math" panose="02040503050406030204" pitchFamily="18" charset="0"/>
-                            </a:rPr>
-                            <m:t>−</m:t>
-                          </m:r>
-                          <m:r>
-                            <a:rPr lang="da-DK" sz="1400" b="0" i="1" smtClean="0">
-                              <a:latin typeface="Cambria Math" panose="02040503050406030204" pitchFamily="18" charset="0"/>
-                            </a:rPr>
-                            <m:t>2</m:t>
-                          </m:r>
-                          <m:r>
-                            <a:rPr lang="da-DK" sz="1400" b="0" i="1" smtClean="0">
-                              <a:latin typeface="Cambria Math" panose="02040503050406030204" pitchFamily="18" charset="0"/>
-                            </a:rPr>
-                            <m:t>,</m:t>
-                          </m:r>
-                          <m:r>
-                            <a:rPr lang="da-DK" sz="1400" b="0" i="1" smtClean="0">
+                            <a:rPr lang="da-DK" sz="1600" b="0" i="1" smtClean="0">
+                              <a:latin typeface="Cambria Math" panose="02040503050406030204" pitchFamily="18" charset="0"/>
+                            </a:rPr>
+                            <m:t>−2,</m:t>
+                          </m:r>
+                          <m:r>
+                            <a:rPr lang="da-DK" sz="1600" b="0" i="1" smtClean="0">
                               <a:latin typeface="Cambria Math" panose="02040503050406030204" pitchFamily="18" charset="0"/>
                             </a:rPr>
                             <m:t>𝜏</m:t>
                           </m:r>
                           <m:r>
-                            <a:rPr lang="da-DK" sz="1400" b="0" i="1" smtClean="0">
+                            <a:rPr lang="da-DK" sz="1600" b="0" i="1" smtClean="0">
                               <a:latin typeface="Cambria Math" panose="02040503050406030204" pitchFamily="18" charset="0"/>
                             </a:rPr>
                             <m:t>+</m:t>
@@ -5773,14 +5741,14 @@
                           <m:sSub>
                             <m:sSubPr>
                               <m:ctrlPr>
-                                <a:rPr lang="da-DK" sz="1400" b="0" i="1" smtClean="0">
+                                <a:rPr lang="da-DK" sz="1600" b="0" i="1" smtClean="0">
                                   <a:latin typeface="Cambria Math" panose="02040503050406030204" pitchFamily="18" charset="0"/>
                                 </a:rPr>
                               </m:ctrlPr>
                             </m:sSubPr>
                             <m:e>
                               <m:r>
-                                <a:rPr lang="da-DK" sz="1400" b="0" i="1" smtClean="0">
+                                <a:rPr lang="da-DK" sz="1600" b="0" i="1" smtClean="0">
                                   <a:latin typeface="Cambria Math" panose="02040503050406030204" pitchFamily="18" charset="0"/>
                                 </a:rPr>
                                 <m:t>𝑇</m:t>
@@ -5788,7 +5756,7 @@
                             </m:e>
                             <m:sub>
                               <m:r>
-                                <a:rPr lang="da-DK" sz="1400" b="0" i="1" smtClean="0">
+                                <a:rPr lang="da-DK" sz="1600" b="0" i="1" smtClean="0">
                                   <a:latin typeface="Cambria Math" panose="02040503050406030204" pitchFamily="18" charset="0"/>
                                 </a:rPr>
                                 <m:t>𝑇𝑅</m:t>
@@ -5796,7 +5764,7 @@
                             </m:sub>
                           </m:sSub>
                           <m:r>
-                            <a:rPr lang="da-DK" sz="1400" b="0" i="1" smtClean="0">
+                            <a:rPr lang="da-DK" sz="1600" b="0" i="1" smtClean="0">
                               <a:latin typeface="Cambria Math" panose="02040503050406030204" pitchFamily="18" charset="0"/>
                             </a:rPr>
                             <m:t>+</m:t>
@@ -5804,14 +5772,14 @@
                           <m:sSub>
                             <m:sSubPr>
                               <m:ctrlPr>
-                                <a:rPr lang="da-DK" sz="1400" b="0" i="1" smtClean="0">
+                                <a:rPr lang="da-DK" sz="1600" b="0" i="1" smtClean="0">
                                   <a:latin typeface="Cambria Math" panose="02040503050406030204" pitchFamily="18" charset="0"/>
                                 </a:rPr>
                               </m:ctrlPr>
                             </m:sSubPr>
                             <m:e>
                               <m:r>
-                                <a:rPr lang="da-DK" sz="1400" b="0" i="1" smtClean="0">
+                                <a:rPr lang="da-DK" sz="1600" b="0" i="1" smtClean="0">
                                   <a:latin typeface="Cambria Math" panose="02040503050406030204" pitchFamily="18" charset="0"/>
                                 </a:rPr>
                                 <m:t>𝑇</m:t>
@@ -5819,7 +5787,7 @@
                             </m:e>
                             <m:sub>
                               <m:r>
-                                <a:rPr lang="da-DK" sz="1400" b="0" i="1" smtClean="0">
+                                <a:rPr lang="da-DK" sz="1600" b="0" i="1" smtClean="0">
                                   <a:latin typeface="Cambria Math" panose="02040503050406030204" pitchFamily="18" charset="0"/>
                                 </a:rPr>
                                 <m:t>𝑉</m:t>
@@ -5827,7 +5795,7 @@
                             </m:sub>
                           </m:sSub>
                           <m:r>
-                            <a:rPr lang="da-DK" sz="1400" b="0" i="1" smtClean="0">
+                            <a:rPr lang="da-DK" sz="1600" b="0" i="1" smtClean="0">
                               <a:latin typeface="Cambria Math" panose="02040503050406030204" pitchFamily="18" charset="0"/>
                             </a:rPr>
                             <m:t>+</m:t>
@@ -5835,14 +5803,14 @@
                           <m:sSub>
                             <m:sSubPr>
                               <m:ctrlPr>
-                                <a:rPr lang="da-DK" sz="1400" b="0" i="1" smtClean="0">
+                                <a:rPr lang="da-DK" sz="1600" b="0" i="1" smtClean="0">
                                   <a:latin typeface="Cambria Math" panose="02040503050406030204" pitchFamily="18" charset="0"/>
                                 </a:rPr>
                               </m:ctrlPr>
                             </m:sSubPr>
                             <m:e>
                               <m:r>
-                                <a:rPr lang="da-DK" sz="1400" b="0" i="1" smtClean="0">
+                                <a:rPr lang="da-DK" sz="1600" b="0" i="1" smtClean="0">
                                   <a:latin typeface="Cambria Math" panose="02040503050406030204" pitchFamily="18" charset="0"/>
                                 </a:rPr>
                                 <m:t>𝑇</m:t>
@@ -5850,7 +5818,7 @@
                             </m:e>
                             <m:sub>
                               <m:r>
-                                <a:rPr lang="da-DK" sz="1400" b="0" i="1" smtClean="0">
+                                <a:rPr lang="da-DK" sz="1600" b="0" i="1" smtClean="0">
                                   <a:latin typeface="Cambria Math" panose="02040503050406030204" pitchFamily="18" charset="0"/>
                                 </a:rPr>
                                 <m:t>𝑇𝐸</m:t>
@@ -5858,7 +5826,7 @@
                             </m:sub>
                           </m:sSub>
                           <m:r>
-                            <a:rPr lang="da-DK" sz="1400" b="0" i="1" smtClean="0">
+                            <a:rPr lang="da-DK" sz="1600" b="0" i="1" smtClean="0">
                               <a:latin typeface="Cambria Math" panose="02040503050406030204" pitchFamily="18" charset="0"/>
                             </a:rPr>
                             <m:t>−1</m:t>
@@ -5868,7 +5836,7 @@
                     </m:oMath>
                   </a14:m>
                   <a:r>
-                    <a:rPr lang="da-DK" sz="1400" dirty="0">
+                    <a:rPr lang="da-DK" sz="1600" dirty="0">
                       <a:latin typeface="Garamond" panose="02020404030301010803" pitchFamily="18" charset="0"/>
                     </a:rPr>
                     <a:t> }</a:t>
@@ -5894,8 +5862,8 @@
               </p:nvSpPr>
               <p:spPr>
                 <a:xfrm>
-                  <a:off x="1906907" y="6036023"/>
-                  <a:ext cx="8800294" cy="319703"/>
+                  <a:off x="1906907" y="6036079"/>
+                  <a:ext cx="9965292" cy="352148"/>
                 </a:xfrm>
                 <a:prstGeom prst="rect">
                   <a:avLst/>
@@ -5903,7 +5871,7 @@
                 <a:blipFill>
                   <a:blip r:embed="rId6"/>
                   <a:stretch>
-                    <a:fillRect l="-288" b="-23077"/>
+                    <a:fillRect l="-254" b="-20690"/>
                   </a:stretch>
                 </a:blipFill>
               </p:spPr>
@@ -5927,6 +5895,1809 @@
     <p:extLst>
       <p:ext uri="{BB962C8B-B14F-4D97-AF65-F5344CB8AC3E}">
         <p14:creationId xmlns:p14="http://schemas.microsoft.com/office/powerpoint/2010/main" val="3824905874"/>
+      </p:ext>
+    </p:extLst>
+  </p:cSld>
+  <p:clrMapOvr>
+    <a:masterClrMapping/>
+  </p:clrMapOvr>
+</p:sld>
+</file>
+
+<file path=ppt/slides/slide2.xml><?xml version="1.0" encoding="utf-8"?>
+<p:sld xmlns:a="http://schemas.openxmlformats.org/drawingml/2006/main" xmlns:r="http://schemas.openxmlformats.org/officeDocument/2006/relationships" xmlns:p="http://schemas.openxmlformats.org/presentationml/2006/main">
+  <p:cSld>
+    <p:spTree>
+      <p:nvGrpSpPr>
+        <p:cNvPr id="1" name=""/>
+        <p:cNvGrpSpPr/>
+        <p:nvPr/>
+      </p:nvGrpSpPr>
+      <p:grpSpPr>
+        <a:xfrm>
+          <a:off x="0" y="0"/>
+          <a:ext cx="0" cy="0"/>
+          <a:chOff x="0" y="0"/>
+          <a:chExt cx="0" cy="0"/>
+        </a:xfrm>
+      </p:grpSpPr>
+      <p:grpSp>
+        <p:nvGrpSpPr>
+          <p:cNvPr id="40" name="Gruppe 39">
+            <a:extLst>
+              <a:ext uri="{FF2B5EF4-FFF2-40B4-BE49-F238E27FC236}">
+                <a16:creationId xmlns:a16="http://schemas.microsoft.com/office/drawing/2014/main" id="{BA4CFCBF-25F8-9FC3-F5FA-9432EE611479}"/>
+              </a:ext>
+            </a:extLst>
+          </p:cNvPr>
+          <p:cNvGrpSpPr/>
+          <p:nvPr/>
+        </p:nvGrpSpPr>
+        <p:grpSpPr>
+          <a:xfrm>
+            <a:off x="1584009" y="809295"/>
+            <a:ext cx="9023982" cy="4828137"/>
+            <a:chOff x="1310666" y="1146108"/>
+            <a:chExt cx="9023982" cy="4828137"/>
+          </a:xfrm>
+        </p:grpSpPr>
+        <p:cxnSp>
+          <p:nvCxnSpPr>
+            <p:cNvPr id="9" name="Lige pilforbindelse 8">
+              <a:extLst>
+                <a:ext uri="{FF2B5EF4-FFF2-40B4-BE49-F238E27FC236}">
+                  <a16:creationId xmlns:a16="http://schemas.microsoft.com/office/drawing/2014/main" id="{BBD7DB66-CEC6-0ABA-1DC5-B6B41635DC7E}"/>
+                </a:ext>
+              </a:extLst>
+            </p:cNvPr>
+            <p:cNvCxnSpPr>
+              <a:cxnSpLocks/>
+            </p:cNvCxnSpPr>
+            <p:nvPr/>
+          </p:nvCxnSpPr>
+          <p:spPr>
+            <a:xfrm>
+              <a:off x="1310667" y="3441356"/>
+              <a:ext cx="9023981" cy="0"/>
+            </a:xfrm>
+            <a:prstGeom prst="straightConnector1">
+              <a:avLst/>
+            </a:prstGeom>
+            <a:ln>
+              <a:tailEnd type="triangle"/>
+            </a:ln>
+          </p:spPr>
+          <p:style>
+            <a:lnRef idx="1">
+              <a:schemeClr val="dk1"/>
+            </a:lnRef>
+            <a:fillRef idx="0">
+              <a:schemeClr val="dk1"/>
+            </a:fillRef>
+            <a:effectRef idx="0">
+              <a:schemeClr val="dk1"/>
+            </a:effectRef>
+            <a:fontRef idx="minor">
+              <a:schemeClr val="tx1"/>
+            </a:fontRef>
+          </p:style>
+        </p:cxnSp>
+        <p:sp>
+          <p:nvSpPr>
+            <p:cNvPr id="11" name="Venstre klammeparentes 10">
+              <a:extLst>
+                <a:ext uri="{FF2B5EF4-FFF2-40B4-BE49-F238E27FC236}">
+                  <a16:creationId xmlns:a16="http://schemas.microsoft.com/office/drawing/2014/main" id="{21B68CB5-A403-A5EC-3980-F47C5E3E8925}"/>
+                </a:ext>
+              </a:extLst>
+            </p:cNvPr>
+            <p:cNvSpPr/>
+            <p:nvPr/>
+          </p:nvSpPr>
+          <p:spPr>
+            <a:xfrm rot="16200000">
+              <a:off x="5582125" y="-421903"/>
+              <a:ext cx="481063" cy="9023980"/>
+            </a:xfrm>
+            <a:prstGeom prst="leftBrace">
+              <a:avLst/>
+            </a:prstGeom>
+          </p:spPr>
+          <p:style>
+            <a:lnRef idx="1">
+              <a:schemeClr val="dk1"/>
+            </a:lnRef>
+            <a:fillRef idx="0">
+              <a:schemeClr val="dk1"/>
+            </a:fillRef>
+            <a:effectRef idx="0">
+              <a:schemeClr val="dk1"/>
+            </a:effectRef>
+            <a:fontRef idx="minor">
+              <a:schemeClr val="tx1"/>
+            </a:fontRef>
+          </p:style>
+          <p:txBody>
+            <a:bodyPr rtlCol="0" anchor="ctr"/>
+            <a:lstStyle/>
+            <a:p>
+              <a:pPr algn="ctr"/>
+              <a:endParaRPr lang="da-DK" dirty="0"/>
+            </a:p>
+          </p:txBody>
+        </p:sp>
+        <mc:AlternateContent xmlns:mc="http://schemas.openxmlformats.org/markup-compatibility/2006">
+          <mc:Choice xmlns:a14="http://schemas.microsoft.com/office/drawing/2010/main" Requires="a14">
+            <p:sp>
+              <p:nvSpPr>
+                <p:cNvPr id="12" name="Tekstfelt 11">
+                  <a:extLst>
+                    <a:ext uri="{FF2B5EF4-FFF2-40B4-BE49-F238E27FC236}">
+                      <a16:creationId xmlns:a16="http://schemas.microsoft.com/office/drawing/2014/main" id="{B5168DE2-F4EB-FBD1-B7D9-67E289E754EA}"/>
+                    </a:ext>
+                  </a:extLst>
+                </p:cNvPr>
+                <p:cNvSpPr txBox="1"/>
+                <p:nvPr/>
+              </p:nvSpPr>
+              <p:spPr>
+                <a:xfrm>
+                  <a:off x="3414690" y="4483196"/>
+                  <a:ext cx="4815934" cy="352148"/>
+                </a:xfrm>
+                <a:prstGeom prst="rect">
+                  <a:avLst/>
+                </a:prstGeom>
+                <a:noFill/>
+              </p:spPr>
+              <p:txBody>
+                <a:bodyPr wrap="none" rtlCol="0">
+                  <a:spAutoFit/>
+                </a:bodyPr>
+                <a:lstStyle/>
+                <a:p>
+                  <a:r>
+                    <a:rPr lang="da-DK" sz="1600" dirty="0">
+                      <a:latin typeface="Garamond" panose="02020404030301010803" pitchFamily="18" charset="0"/>
+                    </a:rPr>
+                    <a:t>Historical Periods: { </a:t>
+                  </a:r>
+                  <a14:m>
+                    <m:oMath xmlns:m="http://schemas.openxmlformats.org/officeDocument/2006/math">
+                      <m:sSub>
+                        <m:sSubPr>
+                          <m:ctrlPr>
+                            <a:rPr lang="da-DK" sz="1600" b="0" i="1" dirty="0" smtClean="0">
+                              <a:latin typeface="Cambria Math" panose="02040503050406030204" pitchFamily="18" charset="0"/>
+                            </a:rPr>
+                          </m:ctrlPr>
+                        </m:sSubPr>
+                        <m:e>
+                          <m:acc>
+                            <m:accPr>
+                              <m:chr m:val="̂"/>
+                              <m:ctrlPr>
+                                <a:rPr lang="da-DK" sz="1600" b="1" i="1" smtClean="0">
+                                  <a:latin typeface="Cambria Math" panose="02040503050406030204" pitchFamily="18" charset="0"/>
+                                </a:rPr>
+                              </m:ctrlPr>
+                            </m:accPr>
+                            <m:e>
+                              <m:r>
+                                <a:rPr lang="da-DK" sz="1600" b="1" i="0" smtClean="0">
+                                  <a:latin typeface="Cambria Math" panose="02040503050406030204" pitchFamily="18" charset="0"/>
+                                </a:rPr>
+                                <m:t>𝛏</m:t>
+                              </m:r>
+                            </m:e>
+                          </m:acc>
+                        </m:e>
+                        <m:sub>
+                          <m:r>
+                            <a:rPr lang="da-DK" sz="1600" b="0" i="1" dirty="0" smtClean="0">
+                              <a:latin typeface="Cambria Math" panose="02040503050406030204" pitchFamily="18" charset="0"/>
+                            </a:rPr>
+                            <m:t>𝑖</m:t>
+                          </m:r>
+                        </m:sub>
+                      </m:sSub>
+                    </m:oMath>
+                  </a14:m>
+                  <a:r>
+                    <a:rPr lang="da-DK" sz="1600" dirty="0">
+                      <a:latin typeface="Garamond" panose="02020404030301010803" pitchFamily="18" charset="0"/>
+                    </a:rPr>
+                    <a:t> : </a:t>
+                  </a:r>
+                  <a14:m>
+                    <m:oMath xmlns:m="http://schemas.openxmlformats.org/officeDocument/2006/math">
+                      <m:r>
+                        <a:rPr lang="da-DK" sz="1600" b="0" i="1" smtClean="0">
+                          <a:latin typeface="Cambria Math" panose="02040503050406030204" pitchFamily="18" charset="0"/>
+                        </a:rPr>
+                        <m:t>𝑖</m:t>
+                      </m:r>
+                      <m:r>
+                        <a:rPr lang="da-DK" sz="1600" b="0" i="1" smtClean="0">
+                          <a:latin typeface="Cambria Math" panose="02040503050406030204" pitchFamily="18" charset="0"/>
+                        </a:rPr>
+                        <m:t>∈</m:t>
+                      </m:r>
+                      <m:d>
+                        <m:dPr>
+                          <m:begChr m:val="{"/>
+                          <m:endChr m:val="}"/>
+                          <m:ctrlPr>
+                            <a:rPr lang="da-DK" sz="1600" b="0" i="1" smtClean="0">
+                              <a:latin typeface="Cambria Math" panose="02040503050406030204" pitchFamily="18" charset="0"/>
+                            </a:rPr>
+                          </m:ctrlPr>
+                        </m:dPr>
+                        <m:e>
+                          <m:r>
+                            <a:rPr lang="da-DK" sz="1600" b="0" i="1" smtClean="0">
+                              <a:latin typeface="Cambria Math" panose="02040503050406030204" pitchFamily="18" charset="0"/>
+                            </a:rPr>
+                            <m:t>0,  1,  …,  </m:t>
+                          </m:r>
+                          <m:r>
+                            <a:rPr lang="da-DK" sz="1600" b="0" i="1" smtClean="0">
+                              <a:latin typeface="Cambria Math" panose="02040503050406030204" pitchFamily="18" charset="0"/>
+                            </a:rPr>
+                            <m:t>𝐾</m:t>
+                          </m:r>
+                          <m:r>
+                            <a:rPr lang="da-DK" sz="1600" b="0" i="1" smtClean="0">
+                              <a:latin typeface="Cambria Math" panose="02040503050406030204" pitchFamily="18" charset="0"/>
+                            </a:rPr>
+                            <m:t>−2,  </m:t>
+                          </m:r>
+                          <m:r>
+                            <a:rPr lang="da-DK" sz="1600" b="0" i="1" smtClean="0">
+                              <a:latin typeface="Cambria Math" panose="02040503050406030204" pitchFamily="18" charset="0"/>
+                            </a:rPr>
+                            <m:t>𝐾</m:t>
+                          </m:r>
+                          <m:r>
+                            <a:rPr lang="da-DK" sz="1600" b="0" i="1" smtClean="0">
+                              <a:latin typeface="Cambria Math" panose="02040503050406030204" pitchFamily="18" charset="0"/>
+                            </a:rPr>
+                            <m:t>−1</m:t>
+                          </m:r>
+                        </m:e>
+                      </m:d>
+                    </m:oMath>
+                  </a14:m>
+                  <a:r>
+                    <a:rPr lang="da-DK" sz="1600" dirty="0">
+                      <a:latin typeface="Garamond" panose="02020404030301010803" pitchFamily="18" charset="0"/>
+                    </a:rPr>
+                    <a:t> }</a:t>
+                  </a:r>
+                </a:p>
+              </p:txBody>
+            </p:sp>
+          </mc:Choice>
+          <mc:Fallback>
+            <p:sp>
+              <p:nvSpPr>
+                <p:cNvPr id="12" name="Tekstfelt 11">
+                  <a:extLst>
+                    <a:ext uri="{FF2B5EF4-FFF2-40B4-BE49-F238E27FC236}">
+                      <a16:creationId xmlns:a16="http://schemas.microsoft.com/office/drawing/2014/main" id="{B5168DE2-F4EB-FBD1-B7D9-67E289E754EA}"/>
+                    </a:ext>
+                  </a:extLst>
+                </p:cNvPr>
+                <p:cNvSpPr txBox="1">
+                  <a:spLocks noRot="1" noChangeAspect="1" noMove="1" noResize="1" noEditPoints="1" noAdjustHandles="1" noChangeArrowheads="1" noChangeShapeType="1" noTextEdit="1"/>
+                </p:cNvSpPr>
+                <p:nvPr/>
+              </p:nvSpPr>
+              <p:spPr>
+                <a:xfrm>
+                  <a:off x="3414690" y="4483196"/>
+                  <a:ext cx="4815934" cy="352148"/>
+                </a:xfrm>
+                <a:prstGeom prst="rect">
+                  <a:avLst/>
+                </a:prstGeom>
+                <a:blipFill>
+                  <a:blip r:embed="rId2"/>
+                  <a:stretch>
+                    <a:fillRect l="-526" t="-3448" b="-17241"/>
+                  </a:stretch>
+                </a:blipFill>
+              </p:spPr>
+              <p:txBody>
+                <a:bodyPr/>
+                <a:lstStyle/>
+                <a:p>
+                  <a:r>
+                    <a:rPr lang="da-DK">
+                      <a:noFill/>
+                    </a:rPr>
+                    <a:t> </a:t>
+                  </a:r>
+                </a:p>
+              </p:txBody>
+            </p:sp>
+          </mc:Fallback>
+        </mc:AlternateContent>
+        <p:sp>
+          <p:nvSpPr>
+            <p:cNvPr id="13" name="Venstre klammeparentes 12">
+              <a:extLst>
+                <a:ext uri="{FF2B5EF4-FFF2-40B4-BE49-F238E27FC236}">
+                  <a16:creationId xmlns:a16="http://schemas.microsoft.com/office/drawing/2014/main" id="{A15D7FA3-6ED6-8035-3626-E55F1E115A86}"/>
+                </a:ext>
+              </a:extLst>
+            </p:cNvPr>
+            <p:cNvSpPr/>
+            <p:nvPr/>
+          </p:nvSpPr>
+          <p:spPr>
+            <a:xfrm rot="5400000">
+              <a:off x="4368105" y="-3247"/>
+              <a:ext cx="493848" cy="3679996"/>
+            </a:xfrm>
+            <a:prstGeom prst="leftBrace">
+              <a:avLst/>
+            </a:prstGeom>
+          </p:spPr>
+          <p:style>
+            <a:lnRef idx="1">
+              <a:schemeClr val="dk1"/>
+            </a:lnRef>
+            <a:fillRef idx="0">
+              <a:schemeClr val="dk1"/>
+            </a:fillRef>
+            <a:effectRef idx="0">
+              <a:schemeClr val="dk1"/>
+            </a:effectRef>
+            <a:fontRef idx="minor">
+              <a:schemeClr val="tx1"/>
+            </a:fontRef>
+          </p:style>
+          <p:txBody>
+            <a:bodyPr rtlCol="0" anchor="ctr"/>
+            <a:lstStyle/>
+            <a:p>
+              <a:pPr algn="ctr"/>
+              <a:endParaRPr lang="da-DK" dirty="0"/>
+            </a:p>
+          </p:txBody>
+        </p:sp>
+        <p:cxnSp>
+          <p:nvCxnSpPr>
+            <p:cNvPr id="15" name="Lige forbindelse 14">
+              <a:extLst>
+                <a:ext uri="{FF2B5EF4-FFF2-40B4-BE49-F238E27FC236}">
+                  <a16:creationId xmlns:a16="http://schemas.microsoft.com/office/drawing/2014/main" id="{EF6F9BB2-C62B-330E-4D08-B052C949CA5F}"/>
+                </a:ext>
+              </a:extLst>
+            </p:cNvPr>
+            <p:cNvCxnSpPr>
+              <a:cxnSpLocks/>
+            </p:cNvCxnSpPr>
+            <p:nvPr/>
+          </p:nvCxnSpPr>
+          <p:spPr>
+            <a:xfrm>
+              <a:off x="2775030" y="3428298"/>
+              <a:ext cx="2519058" cy="0"/>
+            </a:xfrm>
+            <a:prstGeom prst="line">
+              <a:avLst/>
+            </a:prstGeom>
+            <a:ln w="38100" cmpd="sng">
+              <a:solidFill>
+                <a:srgbClr val="010003"/>
+              </a:solidFill>
+              <a:prstDash val="solid"/>
+            </a:ln>
+          </p:spPr>
+          <p:style>
+            <a:lnRef idx="1">
+              <a:schemeClr val="dk1"/>
+            </a:lnRef>
+            <a:fillRef idx="0">
+              <a:schemeClr val="dk1"/>
+            </a:fillRef>
+            <a:effectRef idx="0">
+              <a:schemeClr val="dk1"/>
+            </a:effectRef>
+            <a:fontRef idx="minor">
+              <a:schemeClr val="tx1"/>
+            </a:fontRef>
+          </p:style>
+        </p:cxnSp>
+        <p:cxnSp>
+          <p:nvCxnSpPr>
+            <p:cNvPr id="23" name="Lige forbindelse 22">
+              <a:extLst>
+                <a:ext uri="{FF2B5EF4-FFF2-40B4-BE49-F238E27FC236}">
+                  <a16:creationId xmlns:a16="http://schemas.microsoft.com/office/drawing/2014/main" id="{7F5FC8E8-D342-72EA-B99D-CEE6BCEEB348}"/>
+                </a:ext>
+              </a:extLst>
+            </p:cNvPr>
+            <p:cNvCxnSpPr>
+              <a:cxnSpLocks/>
+            </p:cNvCxnSpPr>
+            <p:nvPr/>
+          </p:nvCxnSpPr>
+          <p:spPr>
+            <a:xfrm>
+              <a:off x="5294088" y="3428298"/>
+              <a:ext cx="1194098" cy="0"/>
+            </a:xfrm>
+            <a:prstGeom prst="line">
+              <a:avLst/>
+            </a:prstGeom>
+            <a:ln w="38100">
+              <a:solidFill>
+                <a:srgbClr val="C85F4D"/>
+              </a:solidFill>
+            </a:ln>
+          </p:spPr>
+          <p:style>
+            <a:lnRef idx="1">
+              <a:schemeClr val="accent1"/>
+            </a:lnRef>
+            <a:fillRef idx="0">
+              <a:schemeClr val="accent1"/>
+            </a:fillRef>
+            <a:effectRef idx="0">
+              <a:schemeClr val="accent1"/>
+            </a:effectRef>
+            <a:fontRef idx="minor">
+              <a:schemeClr val="tx1"/>
+            </a:fontRef>
+          </p:style>
+        </p:cxnSp>
+        <p:sp>
+          <p:nvSpPr>
+            <p:cNvPr id="25" name="Venstre klammeparentes 24">
+              <a:extLst>
+                <a:ext uri="{FF2B5EF4-FFF2-40B4-BE49-F238E27FC236}">
+                  <a16:creationId xmlns:a16="http://schemas.microsoft.com/office/drawing/2014/main" id="{C3ACC4A5-B1A8-CD3E-A014-186A12295931}"/>
+                </a:ext>
+              </a:extLst>
+            </p:cNvPr>
+            <p:cNvSpPr/>
+            <p:nvPr/>
+          </p:nvSpPr>
+          <p:spPr>
+            <a:xfrm rot="5400000">
+              <a:off x="3777448" y="1649024"/>
+              <a:ext cx="481063" cy="2485900"/>
+            </a:xfrm>
+            <a:prstGeom prst="leftBrace">
+              <a:avLst/>
+            </a:prstGeom>
+          </p:spPr>
+          <p:style>
+            <a:lnRef idx="1">
+              <a:schemeClr val="dk1"/>
+            </a:lnRef>
+            <a:fillRef idx="0">
+              <a:schemeClr val="dk1"/>
+            </a:fillRef>
+            <a:effectRef idx="0">
+              <a:schemeClr val="dk1"/>
+            </a:effectRef>
+            <a:fontRef idx="minor">
+              <a:schemeClr val="tx1"/>
+            </a:fontRef>
+          </p:style>
+          <p:txBody>
+            <a:bodyPr rtlCol="0" anchor="ctr"/>
+            <a:lstStyle/>
+            <a:p>
+              <a:pPr algn="ctr"/>
+              <a:endParaRPr lang="da-DK" dirty="0"/>
+            </a:p>
+          </p:txBody>
+        </p:sp>
+        <p:sp>
+          <p:nvSpPr>
+            <p:cNvPr id="27" name="Venstre klammeparentes 26">
+              <a:extLst>
+                <a:ext uri="{FF2B5EF4-FFF2-40B4-BE49-F238E27FC236}">
+                  <a16:creationId xmlns:a16="http://schemas.microsoft.com/office/drawing/2014/main" id="{2CC3E521-8D1D-63D5-28F6-D651AE62D9C2}"/>
+                </a:ext>
+              </a:extLst>
+            </p:cNvPr>
+            <p:cNvSpPr/>
+            <p:nvPr/>
+          </p:nvSpPr>
+          <p:spPr>
+            <a:xfrm rot="5400000">
+              <a:off x="5630374" y="2302666"/>
+              <a:ext cx="455208" cy="1194097"/>
+            </a:xfrm>
+            <a:prstGeom prst="leftBrace">
+              <a:avLst/>
+            </a:prstGeom>
+          </p:spPr>
+          <p:style>
+            <a:lnRef idx="1">
+              <a:schemeClr val="dk1"/>
+            </a:lnRef>
+            <a:fillRef idx="0">
+              <a:schemeClr val="dk1"/>
+            </a:fillRef>
+            <a:effectRef idx="0">
+              <a:schemeClr val="dk1"/>
+            </a:effectRef>
+            <a:fontRef idx="minor">
+              <a:schemeClr val="tx1"/>
+            </a:fontRef>
+          </p:style>
+          <p:txBody>
+            <a:bodyPr rtlCol="0" anchor="ctr"/>
+            <a:lstStyle/>
+            <a:p>
+              <a:pPr algn="ctr"/>
+              <a:endParaRPr lang="da-DK" dirty="0"/>
+            </a:p>
+          </p:txBody>
+        </p:sp>
+        <mc:AlternateContent xmlns:mc="http://schemas.openxmlformats.org/markup-compatibility/2006">
+          <mc:Choice xmlns:a14="http://schemas.microsoft.com/office/drawing/2010/main" Requires="a14">
+            <p:sp>
+              <p:nvSpPr>
+                <p:cNvPr id="28" name="Tekstfelt 27">
+                  <a:extLst>
+                    <a:ext uri="{FF2B5EF4-FFF2-40B4-BE49-F238E27FC236}">
+                      <a16:creationId xmlns:a16="http://schemas.microsoft.com/office/drawing/2014/main" id="{38517982-4C48-C612-1DE8-47A959064EB8}"/>
+                    </a:ext>
+                  </a:extLst>
+                </p:cNvPr>
+                <p:cNvSpPr txBox="1"/>
+                <p:nvPr/>
+              </p:nvSpPr>
+              <p:spPr>
+                <a:xfrm>
+                  <a:off x="1310666" y="1146108"/>
+                  <a:ext cx="6973127" cy="352148"/>
+                </a:xfrm>
+                <a:prstGeom prst="rect">
+                  <a:avLst/>
+                </a:prstGeom>
+                <a:noFill/>
+              </p:spPr>
+              <p:txBody>
+                <a:bodyPr wrap="none" rtlCol="0">
+                  <a:spAutoFit/>
+                </a:bodyPr>
+                <a:lstStyle/>
+                <a:p>
+                  <a:r>
+                    <a:rPr lang="da-DK" sz="1600" dirty="0">
+                      <a:latin typeface="Garamond" panose="02020404030301010803" pitchFamily="18" charset="0"/>
+                    </a:rPr>
+                    <a:t>Rolling Window: { </a:t>
+                  </a:r>
+                  <a14:m>
+                    <m:oMath xmlns:m="http://schemas.openxmlformats.org/officeDocument/2006/math">
+                      <m:sSub>
+                        <m:sSubPr>
+                          <m:ctrlPr>
+                            <a:rPr lang="da-DK" sz="1600" b="0" i="1" dirty="0" smtClean="0">
+                              <a:latin typeface="Cambria Math" panose="02040503050406030204" pitchFamily="18" charset="0"/>
+                            </a:rPr>
+                          </m:ctrlPr>
+                        </m:sSubPr>
+                        <m:e>
+                          <m:acc>
+                            <m:accPr>
+                              <m:chr m:val="̂"/>
+                              <m:ctrlPr>
+                                <a:rPr lang="da-DK" sz="1600" b="1" i="1" smtClean="0">
+                                  <a:latin typeface="Cambria Math" panose="02040503050406030204" pitchFamily="18" charset="0"/>
+                                </a:rPr>
+                              </m:ctrlPr>
+                            </m:accPr>
+                            <m:e>
+                              <m:r>
+                                <a:rPr lang="da-DK" sz="1600" b="1" i="0" smtClean="0">
+                                  <a:latin typeface="Cambria Math" panose="02040503050406030204" pitchFamily="18" charset="0"/>
+                                </a:rPr>
+                                <m:t>𝛏</m:t>
+                              </m:r>
+                            </m:e>
+                          </m:acc>
+                        </m:e>
+                        <m:sub>
+                          <m:r>
+                            <a:rPr lang="da-DK" sz="1600" b="0" i="1" dirty="0" smtClean="0">
+                              <a:latin typeface="Cambria Math" panose="02040503050406030204" pitchFamily="18" charset="0"/>
+                            </a:rPr>
+                            <m:t>𝑖</m:t>
+                          </m:r>
+                        </m:sub>
+                      </m:sSub>
+                    </m:oMath>
+                  </a14:m>
+                  <a:r>
+                    <a:rPr lang="da-DK" sz="1600" dirty="0">
+                      <a:latin typeface="Garamond" panose="02020404030301010803" pitchFamily="18" charset="0"/>
+                    </a:rPr>
+                    <a:t> : </a:t>
+                  </a:r>
+                  <a14:m>
+                    <m:oMath xmlns:m="http://schemas.openxmlformats.org/officeDocument/2006/math">
+                      <m:r>
+                        <a:rPr lang="da-DK" sz="1600" b="0" i="1" smtClean="0">
+                          <a:latin typeface="Cambria Math" panose="02040503050406030204" pitchFamily="18" charset="0"/>
+                        </a:rPr>
+                        <m:t>𝑖</m:t>
+                      </m:r>
+                      <m:r>
+                        <a:rPr lang="da-DK" sz="1600" b="0" i="1" smtClean="0">
+                          <a:latin typeface="Cambria Math" panose="02040503050406030204" pitchFamily="18" charset="0"/>
+                        </a:rPr>
+                        <m:t>∈</m:t>
+                      </m:r>
+                      <m:d>
+                        <m:dPr>
+                          <m:begChr m:val="{"/>
+                          <m:endChr m:val="}"/>
+                          <m:ctrlPr>
+                            <a:rPr lang="da-DK" sz="1600" b="0" i="1" smtClean="0">
+                              <a:latin typeface="Cambria Math" panose="02040503050406030204" pitchFamily="18" charset="0"/>
+                            </a:rPr>
+                          </m:ctrlPr>
+                        </m:dPr>
+                        <m:e>
+                          <m:r>
+                            <a:rPr lang="da-DK" sz="1600" b="0" i="1" smtClean="0">
+                              <a:latin typeface="Cambria Math" panose="02040503050406030204" pitchFamily="18" charset="0"/>
+                            </a:rPr>
+                            <m:t>𝜏</m:t>
+                          </m:r>
+                          <m:r>
+                            <a:rPr lang="da-DK" sz="1600" b="0" i="1" smtClean="0">
+                              <a:latin typeface="Cambria Math" panose="02040503050406030204" pitchFamily="18" charset="0"/>
+                            </a:rPr>
+                            <m:t>,  </m:t>
+                          </m:r>
+                          <m:r>
+                            <a:rPr lang="da-DK" sz="1600" b="0" i="1" smtClean="0">
+                              <a:latin typeface="Cambria Math" panose="02040503050406030204" pitchFamily="18" charset="0"/>
+                            </a:rPr>
+                            <m:t>𝜏</m:t>
+                          </m:r>
+                          <m:r>
+                            <a:rPr lang="da-DK" sz="1600" b="0" i="1" smtClean="0">
+                              <a:latin typeface="Cambria Math" panose="02040503050406030204" pitchFamily="18" charset="0"/>
+                            </a:rPr>
+                            <m:t>+1,  …,  </m:t>
+                          </m:r>
+                          <m:sSub>
+                            <m:sSubPr>
+                              <m:ctrlPr>
+                                <a:rPr lang="da-DK" sz="1600" b="0" i="1" smtClean="0">
+                                  <a:latin typeface="Cambria Math" panose="02040503050406030204" pitchFamily="18" charset="0"/>
+                                </a:rPr>
+                              </m:ctrlPr>
+                            </m:sSubPr>
+                            <m:e>
+                              <m:r>
+                                <a:rPr lang="da-DK" sz="1600" b="0" i="1" smtClean="0">
+                                  <a:latin typeface="Cambria Math" panose="02040503050406030204" pitchFamily="18" charset="0"/>
+                                </a:rPr>
+                                <m:t>𝜏</m:t>
+                              </m:r>
+                              <m:r>
+                                <a:rPr lang="da-DK" sz="1600" b="0" i="1" smtClean="0">
+                                  <a:latin typeface="Cambria Math" panose="02040503050406030204" pitchFamily="18" charset="0"/>
+                                </a:rPr>
+                                <m:t>+</m:t>
+                              </m:r>
+                              <m:r>
+                                <a:rPr lang="da-DK" sz="1600" b="0" i="1" smtClean="0">
+                                  <a:latin typeface="Cambria Math" panose="02040503050406030204" pitchFamily="18" charset="0"/>
+                                </a:rPr>
+                                <m:t>𝑇</m:t>
+                              </m:r>
+                            </m:e>
+                            <m:sub>
+                              <m:r>
+                                <a:rPr lang="da-DK" sz="1600" b="0" i="1" smtClean="0">
+                                  <a:latin typeface="Cambria Math" panose="02040503050406030204" pitchFamily="18" charset="0"/>
+                                </a:rPr>
+                                <m:t>𝑇𝑅</m:t>
+                              </m:r>
+                            </m:sub>
+                          </m:sSub>
+                          <m:sSub>
+                            <m:sSubPr>
+                              <m:ctrlPr>
+                                <a:rPr lang="da-DK" sz="1600" b="0" i="1" smtClean="0">
+                                  <a:latin typeface="Cambria Math" panose="02040503050406030204" pitchFamily="18" charset="0"/>
+                                </a:rPr>
+                              </m:ctrlPr>
+                            </m:sSubPr>
+                            <m:e>
+                              <m:r>
+                                <a:rPr lang="da-DK" sz="1600" b="0" i="1" smtClean="0">
+                                  <a:latin typeface="Cambria Math" panose="02040503050406030204" pitchFamily="18" charset="0"/>
+                                </a:rPr>
+                                <m:t>+</m:t>
+                              </m:r>
+                              <m:r>
+                                <a:rPr lang="da-DK" sz="1600" b="0" i="1" smtClean="0">
+                                  <a:latin typeface="Cambria Math" panose="02040503050406030204" pitchFamily="18" charset="0"/>
+                                </a:rPr>
+                                <m:t>𝑇</m:t>
+                              </m:r>
+                            </m:e>
+                            <m:sub>
+                              <m:r>
+                                <a:rPr lang="da-DK" sz="1600" b="0" i="1" smtClean="0">
+                                  <a:latin typeface="Cambria Math" panose="02040503050406030204" pitchFamily="18" charset="0"/>
+                                </a:rPr>
+                                <m:t>𝑇𝐸</m:t>
+                              </m:r>
+                            </m:sub>
+                          </m:sSub>
+                          <m:r>
+                            <a:rPr lang="da-DK" sz="1600" b="0" i="1" smtClean="0">
+                              <a:latin typeface="Cambria Math" panose="02040503050406030204" pitchFamily="18" charset="0"/>
+                            </a:rPr>
+                            <m:t>−2,</m:t>
+                          </m:r>
+                          <m:sSub>
+                            <m:sSubPr>
+                              <m:ctrlPr>
+                                <a:rPr lang="da-DK" sz="1600" b="0" i="1" smtClean="0">
+                                  <a:latin typeface="Cambria Math" panose="02040503050406030204" pitchFamily="18" charset="0"/>
+                                </a:rPr>
+                              </m:ctrlPr>
+                            </m:sSubPr>
+                            <m:e>
+                              <m:r>
+                                <a:rPr lang="da-DK" sz="1600" b="0" i="1" smtClean="0">
+                                  <a:latin typeface="Cambria Math" panose="02040503050406030204" pitchFamily="18" charset="0"/>
+                                </a:rPr>
+                                <m:t> </m:t>
+                              </m:r>
+                              <m:r>
+                                <a:rPr lang="da-DK" sz="1600" b="0" i="1" smtClean="0">
+                                  <a:latin typeface="Cambria Math" panose="02040503050406030204" pitchFamily="18" charset="0"/>
+                                </a:rPr>
+                                <m:t>𝜏</m:t>
+                              </m:r>
+                              <m:r>
+                                <a:rPr lang="da-DK" sz="1600" b="0" i="1" smtClean="0">
+                                  <a:latin typeface="Cambria Math" panose="02040503050406030204" pitchFamily="18" charset="0"/>
+                                </a:rPr>
+                                <m:t>+ </m:t>
+                              </m:r>
+                              <m:r>
+                                <a:rPr lang="da-DK" sz="1600" b="0" i="1" smtClean="0">
+                                  <a:latin typeface="Cambria Math" panose="02040503050406030204" pitchFamily="18" charset="0"/>
+                                </a:rPr>
+                                <m:t>𝑇</m:t>
+                              </m:r>
+                            </m:e>
+                            <m:sub>
+                              <m:r>
+                                <a:rPr lang="da-DK" sz="1600" b="0" i="1" smtClean="0">
+                                  <a:latin typeface="Cambria Math" panose="02040503050406030204" pitchFamily="18" charset="0"/>
+                                </a:rPr>
+                                <m:t>𝑇𝑅</m:t>
+                              </m:r>
+                            </m:sub>
+                          </m:sSub>
+                          <m:r>
+                            <a:rPr lang="da-DK" sz="1600" b="0" i="1" smtClean="0">
+                              <a:latin typeface="Cambria Math" panose="02040503050406030204" pitchFamily="18" charset="0"/>
+                            </a:rPr>
+                            <m:t>+</m:t>
+                          </m:r>
+                          <m:sSub>
+                            <m:sSubPr>
+                              <m:ctrlPr>
+                                <a:rPr lang="da-DK" sz="1600" b="0" i="1" smtClean="0">
+                                  <a:latin typeface="Cambria Math" panose="02040503050406030204" pitchFamily="18" charset="0"/>
+                                </a:rPr>
+                              </m:ctrlPr>
+                            </m:sSubPr>
+                            <m:e>
+                              <m:r>
+                                <a:rPr lang="da-DK" sz="1600" b="0" i="1" smtClean="0">
+                                  <a:latin typeface="Cambria Math" panose="02040503050406030204" pitchFamily="18" charset="0"/>
+                                </a:rPr>
+                                <m:t>𝑇</m:t>
+                              </m:r>
+                            </m:e>
+                            <m:sub>
+                              <m:r>
+                                <a:rPr lang="da-DK" sz="1600" b="0" i="1" smtClean="0">
+                                  <a:latin typeface="Cambria Math" panose="02040503050406030204" pitchFamily="18" charset="0"/>
+                                </a:rPr>
+                                <m:t>𝑇𝐸</m:t>
+                              </m:r>
+                            </m:sub>
+                          </m:sSub>
+                          <m:r>
+                            <a:rPr lang="da-DK" sz="1600" b="0" i="1" smtClean="0">
+                              <a:latin typeface="Cambria Math" panose="02040503050406030204" pitchFamily="18" charset="0"/>
+                            </a:rPr>
+                            <m:t>−1</m:t>
+                          </m:r>
+                        </m:e>
+                      </m:d>
+                    </m:oMath>
+                  </a14:m>
+                  <a:r>
+                    <a:rPr lang="da-DK" sz="1600" dirty="0">
+                      <a:latin typeface="Garamond" panose="02020404030301010803" pitchFamily="18" charset="0"/>
+                    </a:rPr>
+                    <a:t> }</a:t>
+                  </a:r>
+                </a:p>
+              </p:txBody>
+            </p:sp>
+          </mc:Choice>
+          <mc:Fallback>
+            <p:sp>
+              <p:nvSpPr>
+                <p:cNvPr id="28" name="Tekstfelt 27">
+                  <a:extLst>
+                    <a:ext uri="{FF2B5EF4-FFF2-40B4-BE49-F238E27FC236}">
+                      <a16:creationId xmlns:a16="http://schemas.microsoft.com/office/drawing/2014/main" id="{38517982-4C48-C612-1DE8-47A959064EB8}"/>
+                    </a:ext>
+                  </a:extLst>
+                </p:cNvPr>
+                <p:cNvSpPr txBox="1">
+                  <a:spLocks noRot="1" noChangeAspect="1" noMove="1" noResize="1" noEditPoints="1" noAdjustHandles="1" noChangeArrowheads="1" noChangeShapeType="1" noTextEdit="1"/>
+                </p:cNvSpPr>
+                <p:nvPr/>
+              </p:nvSpPr>
+              <p:spPr>
+                <a:xfrm>
+                  <a:off x="1310666" y="1146108"/>
+                  <a:ext cx="6973127" cy="352148"/>
+                </a:xfrm>
+                <a:prstGeom prst="rect">
+                  <a:avLst/>
+                </a:prstGeom>
+                <a:blipFill>
+                  <a:blip r:embed="rId3"/>
+                  <a:stretch>
+                    <a:fillRect l="-364" b="-17241"/>
+                  </a:stretch>
+                </a:blipFill>
+              </p:spPr>
+              <p:txBody>
+                <a:bodyPr/>
+                <a:lstStyle/>
+                <a:p>
+                  <a:r>
+                    <a:rPr lang="da-DK">
+                      <a:noFill/>
+                    </a:rPr>
+                    <a:t> </a:t>
+                  </a:r>
+                </a:p>
+              </p:txBody>
+            </p:sp>
+          </mc:Fallback>
+        </mc:AlternateContent>
+        <p:sp>
+          <p:nvSpPr>
+            <p:cNvPr id="29" name="Ellipse 28">
+              <a:extLst>
+                <a:ext uri="{FF2B5EF4-FFF2-40B4-BE49-F238E27FC236}">
+                  <a16:creationId xmlns:a16="http://schemas.microsoft.com/office/drawing/2014/main" id="{D199730D-75C2-4413-A522-BA97CD2C8ABD}"/>
+                </a:ext>
+              </a:extLst>
+            </p:cNvPr>
+            <p:cNvSpPr/>
+            <p:nvPr/>
+          </p:nvSpPr>
+          <p:spPr>
+            <a:xfrm>
+              <a:off x="3829720" y="2161189"/>
+              <a:ext cx="376518" cy="376518"/>
+            </a:xfrm>
+            <a:prstGeom prst="ellipse">
+              <a:avLst/>
+            </a:prstGeom>
+            <a:solidFill>
+              <a:srgbClr val="010003"/>
+            </a:solidFill>
+            <a:ln>
+              <a:noFill/>
+            </a:ln>
+          </p:spPr>
+          <p:style>
+            <a:lnRef idx="2">
+              <a:schemeClr val="accent1">
+                <a:shade val="15000"/>
+              </a:schemeClr>
+            </a:lnRef>
+            <a:fillRef idx="1">
+              <a:schemeClr val="accent1"/>
+            </a:fillRef>
+            <a:effectRef idx="0">
+              <a:schemeClr val="accent1"/>
+            </a:effectRef>
+            <a:fontRef idx="minor">
+              <a:schemeClr val="lt1"/>
+            </a:fontRef>
+          </p:style>
+          <p:txBody>
+            <a:bodyPr rtlCol="0" anchor="ctr"/>
+            <a:lstStyle/>
+            <a:p>
+              <a:pPr algn="ctr"/>
+              <a:r>
+                <a:rPr lang="da-DK" dirty="0">
+                  <a:latin typeface="Garamond" panose="02020404030301010803" pitchFamily="18" charset="0"/>
+                </a:rPr>
+                <a:t>1</a:t>
+              </a:r>
+            </a:p>
+          </p:txBody>
+        </p:sp>
+        <p:sp>
+          <p:nvSpPr>
+            <p:cNvPr id="31" name="Ellipse 30">
+              <a:extLst>
+                <a:ext uri="{FF2B5EF4-FFF2-40B4-BE49-F238E27FC236}">
+                  <a16:creationId xmlns:a16="http://schemas.microsoft.com/office/drawing/2014/main" id="{128C6942-2AFE-21E5-28EE-8EE23B2952F1}"/>
+                </a:ext>
+              </a:extLst>
+            </p:cNvPr>
+            <p:cNvSpPr/>
+            <p:nvPr/>
+          </p:nvSpPr>
+          <p:spPr>
+            <a:xfrm>
+              <a:off x="5669719" y="2189633"/>
+              <a:ext cx="376518" cy="376518"/>
+            </a:xfrm>
+            <a:prstGeom prst="ellipse">
+              <a:avLst/>
+            </a:prstGeom>
+            <a:solidFill>
+              <a:srgbClr val="C85F4D"/>
+            </a:solidFill>
+            <a:ln>
+              <a:noFill/>
+            </a:ln>
+          </p:spPr>
+          <p:style>
+            <a:lnRef idx="2">
+              <a:schemeClr val="accent1">
+                <a:shade val="15000"/>
+              </a:schemeClr>
+            </a:lnRef>
+            <a:fillRef idx="1">
+              <a:schemeClr val="accent1"/>
+            </a:fillRef>
+            <a:effectRef idx="0">
+              <a:schemeClr val="accent1"/>
+            </a:effectRef>
+            <a:fontRef idx="minor">
+              <a:schemeClr val="lt1"/>
+            </a:fontRef>
+          </p:style>
+          <p:txBody>
+            <a:bodyPr rtlCol="0" anchor="ctr"/>
+            <a:lstStyle/>
+            <a:p>
+              <a:pPr algn="ctr"/>
+              <a:r>
+                <a:rPr lang="da-DK" dirty="0">
+                  <a:latin typeface="Garamond" panose="02020404030301010803" pitchFamily="18" charset="0"/>
+                </a:rPr>
+                <a:t>2</a:t>
+              </a:r>
+            </a:p>
+          </p:txBody>
+        </p:sp>
+        <mc:AlternateContent xmlns:mc="http://schemas.openxmlformats.org/markup-compatibility/2006">
+          <mc:Choice xmlns:a14="http://schemas.microsoft.com/office/drawing/2010/main" Requires="a14">
+            <p:sp>
+              <p:nvSpPr>
+                <p:cNvPr id="32" name="Tekstfelt 31">
+                  <a:extLst>
+                    <a:ext uri="{FF2B5EF4-FFF2-40B4-BE49-F238E27FC236}">
+                      <a16:creationId xmlns:a16="http://schemas.microsoft.com/office/drawing/2014/main" id="{44EED057-FE96-BE28-3A3C-E2A86055519F}"/>
+                    </a:ext>
+                  </a:extLst>
+                </p:cNvPr>
+                <p:cNvSpPr txBox="1"/>
+                <p:nvPr/>
+              </p:nvSpPr>
+              <p:spPr>
+                <a:xfrm>
+                  <a:off x="1906907" y="5086807"/>
+                  <a:ext cx="6027419" cy="352148"/>
+                </a:xfrm>
+                <a:prstGeom prst="rect">
+                  <a:avLst/>
+                </a:prstGeom>
+                <a:noFill/>
+              </p:spPr>
+              <p:txBody>
+                <a:bodyPr wrap="none" rtlCol="0">
+                  <a:spAutoFit/>
+                </a:bodyPr>
+                <a:lstStyle/>
+                <a:p>
+                  <a:r>
+                    <a:rPr lang="da-DK" sz="1600" dirty="0">
+                      <a:latin typeface="Garamond" panose="02020404030301010803" pitchFamily="18" charset="0"/>
+                    </a:rPr>
+                    <a:t>Training Periods:    { </a:t>
+                  </a:r>
+                  <a14:m>
+                    <m:oMath xmlns:m="http://schemas.openxmlformats.org/officeDocument/2006/math">
+                      <m:sSub>
+                        <m:sSubPr>
+                          <m:ctrlPr>
+                            <a:rPr lang="da-DK" sz="1600" b="0" i="1" dirty="0" smtClean="0">
+                              <a:latin typeface="Cambria Math" panose="02040503050406030204" pitchFamily="18" charset="0"/>
+                            </a:rPr>
+                          </m:ctrlPr>
+                        </m:sSubPr>
+                        <m:e>
+                          <m:acc>
+                            <m:accPr>
+                              <m:chr m:val="̂"/>
+                              <m:ctrlPr>
+                                <a:rPr lang="da-DK" sz="1600" b="1" i="1" smtClean="0">
+                                  <a:latin typeface="Cambria Math" panose="02040503050406030204" pitchFamily="18" charset="0"/>
+                                </a:rPr>
+                              </m:ctrlPr>
+                            </m:accPr>
+                            <m:e>
+                              <m:r>
+                                <a:rPr lang="da-DK" sz="1600" b="1" i="0" smtClean="0">
+                                  <a:latin typeface="Cambria Math" panose="02040503050406030204" pitchFamily="18" charset="0"/>
+                                </a:rPr>
+                                <m:t>𝛏</m:t>
+                              </m:r>
+                            </m:e>
+                          </m:acc>
+                        </m:e>
+                        <m:sub>
+                          <m:r>
+                            <a:rPr lang="da-DK" sz="1600" b="0" i="1" dirty="0" smtClean="0">
+                              <a:latin typeface="Cambria Math" panose="02040503050406030204" pitchFamily="18" charset="0"/>
+                            </a:rPr>
+                            <m:t>𝑖</m:t>
+                          </m:r>
+                        </m:sub>
+                      </m:sSub>
+                    </m:oMath>
+                  </a14:m>
+                  <a:r>
+                    <a:rPr lang="da-DK" sz="1600" dirty="0">
+                      <a:latin typeface="Garamond" panose="02020404030301010803" pitchFamily="18" charset="0"/>
+                    </a:rPr>
+                    <a:t> : </a:t>
+                  </a:r>
+                  <a14:m>
+                    <m:oMath xmlns:m="http://schemas.openxmlformats.org/officeDocument/2006/math">
+                      <m:r>
+                        <a:rPr lang="da-DK" sz="1600" b="0" i="1" smtClean="0">
+                          <a:latin typeface="Cambria Math" panose="02040503050406030204" pitchFamily="18" charset="0"/>
+                        </a:rPr>
+                        <m:t>𝑖</m:t>
+                      </m:r>
+                      <m:r>
+                        <a:rPr lang="da-DK" sz="1600" b="0" i="1" smtClean="0">
+                          <a:latin typeface="Cambria Math" panose="02040503050406030204" pitchFamily="18" charset="0"/>
+                        </a:rPr>
+                        <m:t>∈</m:t>
+                      </m:r>
+                      <m:d>
+                        <m:dPr>
+                          <m:begChr m:val="{"/>
+                          <m:endChr m:val="}"/>
+                          <m:ctrlPr>
+                            <a:rPr lang="da-DK" sz="1600" b="0" i="1" smtClean="0">
+                              <a:latin typeface="Cambria Math" panose="02040503050406030204" pitchFamily="18" charset="0"/>
+                            </a:rPr>
+                          </m:ctrlPr>
+                        </m:dPr>
+                        <m:e>
+                          <m:r>
+                            <a:rPr lang="da-DK" sz="1600" b="0" i="1" smtClean="0">
+                              <a:latin typeface="Cambria Math" panose="02040503050406030204" pitchFamily="18" charset="0"/>
+                            </a:rPr>
+                            <m:t>𝜏</m:t>
+                          </m:r>
+                          <m:r>
+                            <a:rPr lang="da-DK" sz="1600" b="0" i="1" smtClean="0">
+                              <a:latin typeface="Cambria Math" panose="02040503050406030204" pitchFamily="18" charset="0"/>
+                            </a:rPr>
+                            <m:t>,  </m:t>
+                          </m:r>
+                          <m:r>
+                            <a:rPr lang="da-DK" sz="1600" b="0" i="1" smtClean="0">
+                              <a:latin typeface="Cambria Math" panose="02040503050406030204" pitchFamily="18" charset="0"/>
+                            </a:rPr>
+                            <m:t>𝜏</m:t>
+                          </m:r>
+                          <m:r>
+                            <a:rPr lang="da-DK" sz="1600" b="0" i="1" smtClean="0">
+                              <a:latin typeface="Cambria Math" panose="02040503050406030204" pitchFamily="18" charset="0"/>
+                            </a:rPr>
+                            <m:t>+1,  …,</m:t>
+                          </m:r>
+                          <m:sSub>
+                            <m:sSubPr>
+                              <m:ctrlPr>
+                                <a:rPr lang="da-DK" sz="1600" b="0" i="1" smtClean="0">
+                                  <a:latin typeface="Cambria Math" panose="02040503050406030204" pitchFamily="18" charset="0"/>
+                                </a:rPr>
+                              </m:ctrlPr>
+                            </m:sSubPr>
+                            <m:e>
+                              <m:r>
+                                <a:rPr lang="da-DK" sz="1600" b="0" i="1" smtClean="0">
+                                  <a:latin typeface="Cambria Math" panose="02040503050406030204" pitchFamily="18" charset="0"/>
+                                </a:rPr>
+                                <m:t>𝜏</m:t>
+                              </m:r>
+                              <m:r>
+                                <a:rPr lang="da-DK" sz="1600" b="0" i="1" smtClean="0">
+                                  <a:latin typeface="Cambria Math" panose="02040503050406030204" pitchFamily="18" charset="0"/>
+                                </a:rPr>
+                                <m:t>+</m:t>
+                              </m:r>
+                              <m:r>
+                                <a:rPr lang="da-DK" sz="1600" b="0" i="1" smtClean="0">
+                                  <a:latin typeface="Cambria Math" panose="02040503050406030204" pitchFamily="18" charset="0"/>
+                                </a:rPr>
+                                <m:t>𝑇</m:t>
+                              </m:r>
+                            </m:e>
+                            <m:sub>
+                              <m:r>
+                                <a:rPr lang="da-DK" sz="1600" b="0" i="1" smtClean="0">
+                                  <a:latin typeface="Cambria Math" panose="02040503050406030204" pitchFamily="18" charset="0"/>
+                                </a:rPr>
+                                <m:t>𝑇𝑅</m:t>
+                              </m:r>
+                            </m:sub>
+                          </m:sSub>
+                          <m:r>
+                            <a:rPr lang="da-DK" sz="1600" b="0" i="1" smtClean="0">
+                              <a:latin typeface="Cambria Math" panose="02040503050406030204" pitchFamily="18" charset="0"/>
+                            </a:rPr>
+                            <m:t>−1,</m:t>
+                          </m:r>
+                          <m:sSub>
+                            <m:sSubPr>
+                              <m:ctrlPr>
+                                <a:rPr lang="da-DK" sz="1600" b="0" i="1" smtClean="0">
+                                  <a:latin typeface="Cambria Math" panose="02040503050406030204" pitchFamily="18" charset="0"/>
+                                </a:rPr>
+                              </m:ctrlPr>
+                            </m:sSubPr>
+                            <m:e>
+                              <m:r>
+                                <a:rPr lang="da-DK" sz="1600" b="0" i="1" smtClean="0">
+                                  <a:latin typeface="Cambria Math" panose="02040503050406030204" pitchFamily="18" charset="0"/>
+                                </a:rPr>
+                                <m:t>𝜏</m:t>
+                              </m:r>
+                              <m:r>
+                                <a:rPr lang="da-DK" sz="1600" b="0" i="1" smtClean="0">
+                                  <a:latin typeface="Cambria Math" panose="02040503050406030204" pitchFamily="18" charset="0"/>
+                                </a:rPr>
+                                <m:t>+</m:t>
+                              </m:r>
+                              <m:r>
+                                <a:rPr lang="da-DK" sz="1600" b="0" i="1" smtClean="0">
+                                  <a:latin typeface="Cambria Math" panose="02040503050406030204" pitchFamily="18" charset="0"/>
+                                </a:rPr>
+                                <m:t>𝑇</m:t>
+                              </m:r>
+                            </m:e>
+                            <m:sub>
+                              <m:r>
+                                <a:rPr lang="da-DK" sz="1600" b="0" i="1" smtClean="0">
+                                  <a:latin typeface="Cambria Math" panose="02040503050406030204" pitchFamily="18" charset="0"/>
+                                </a:rPr>
+                                <m:t>𝑇𝑅</m:t>
+                              </m:r>
+                            </m:sub>
+                          </m:sSub>
+                          <m:r>
+                            <a:rPr lang="da-DK" sz="1600" b="0" i="1" smtClean="0">
+                              <a:latin typeface="Cambria Math" panose="02040503050406030204" pitchFamily="18" charset="0"/>
+                            </a:rPr>
+                            <m:t>−1</m:t>
+                          </m:r>
+                        </m:e>
+                      </m:d>
+                    </m:oMath>
+                  </a14:m>
+                  <a:r>
+                    <a:rPr lang="da-DK" sz="1600" dirty="0">
+                      <a:latin typeface="Garamond" panose="02020404030301010803" pitchFamily="18" charset="0"/>
+                    </a:rPr>
+                    <a:t> }</a:t>
+                  </a:r>
+                </a:p>
+              </p:txBody>
+            </p:sp>
+          </mc:Choice>
+          <mc:Fallback>
+            <p:sp>
+              <p:nvSpPr>
+                <p:cNvPr id="32" name="Tekstfelt 31">
+                  <a:extLst>
+                    <a:ext uri="{FF2B5EF4-FFF2-40B4-BE49-F238E27FC236}">
+                      <a16:creationId xmlns:a16="http://schemas.microsoft.com/office/drawing/2014/main" id="{44EED057-FE96-BE28-3A3C-E2A86055519F}"/>
+                    </a:ext>
+                  </a:extLst>
+                </p:cNvPr>
+                <p:cNvSpPr txBox="1">
+                  <a:spLocks noRot="1" noChangeAspect="1" noMove="1" noResize="1" noEditPoints="1" noAdjustHandles="1" noChangeArrowheads="1" noChangeShapeType="1" noTextEdit="1"/>
+                </p:cNvSpPr>
+                <p:nvPr/>
+              </p:nvSpPr>
+              <p:spPr>
+                <a:xfrm>
+                  <a:off x="1906907" y="5086807"/>
+                  <a:ext cx="6027419" cy="352148"/>
+                </a:xfrm>
+                <a:prstGeom prst="rect">
+                  <a:avLst/>
+                </a:prstGeom>
+                <a:blipFill>
+                  <a:blip r:embed="rId4"/>
+                  <a:stretch>
+                    <a:fillRect l="-630" b="-20690"/>
+                  </a:stretch>
+                </a:blipFill>
+              </p:spPr>
+              <p:txBody>
+                <a:bodyPr/>
+                <a:lstStyle/>
+                <a:p>
+                  <a:r>
+                    <a:rPr lang="da-DK">
+                      <a:noFill/>
+                    </a:rPr>
+                    <a:t> </a:t>
+                  </a:r>
+                </a:p>
+              </p:txBody>
+            </p:sp>
+          </mc:Fallback>
+        </mc:AlternateContent>
+        <p:sp>
+          <p:nvSpPr>
+            <p:cNvPr id="33" name="Ellipse 32">
+              <a:extLst>
+                <a:ext uri="{FF2B5EF4-FFF2-40B4-BE49-F238E27FC236}">
+                  <a16:creationId xmlns:a16="http://schemas.microsoft.com/office/drawing/2014/main" id="{33A7FB02-130D-F0E9-4D86-B22638520844}"/>
+                </a:ext>
+              </a:extLst>
+            </p:cNvPr>
+            <p:cNvSpPr/>
+            <p:nvPr/>
+          </p:nvSpPr>
+          <p:spPr>
+            <a:xfrm>
+              <a:off x="1343821" y="5061538"/>
+              <a:ext cx="376518" cy="376518"/>
+            </a:xfrm>
+            <a:prstGeom prst="ellipse">
+              <a:avLst/>
+            </a:prstGeom>
+            <a:solidFill>
+              <a:srgbClr val="010003"/>
+            </a:solidFill>
+            <a:ln>
+              <a:noFill/>
+            </a:ln>
+          </p:spPr>
+          <p:style>
+            <a:lnRef idx="2">
+              <a:schemeClr val="accent1">
+                <a:shade val="15000"/>
+              </a:schemeClr>
+            </a:lnRef>
+            <a:fillRef idx="1">
+              <a:schemeClr val="accent1"/>
+            </a:fillRef>
+            <a:effectRef idx="0">
+              <a:schemeClr val="accent1"/>
+            </a:effectRef>
+            <a:fontRef idx="minor">
+              <a:schemeClr val="lt1"/>
+            </a:fontRef>
+          </p:style>
+          <p:txBody>
+            <a:bodyPr rtlCol="0" anchor="ctr"/>
+            <a:lstStyle/>
+            <a:p>
+              <a:pPr algn="ctr"/>
+              <a:r>
+                <a:rPr lang="da-DK" dirty="0">
+                  <a:latin typeface="Garamond" panose="02020404030301010803" pitchFamily="18" charset="0"/>
+                </a:rPr>
+                <a:t>1</a:t>
+              </a:r>
+            </a:p>
+          </p:txBody>
+        </p:sp>
+        <p:sp>
+          <p:nvSpPr>
+            <p:cNvPr id="38" name="Ellipse 37">
+              <a:extLst>
+                <a:ext uri="{FF2B5EF4-FFF2-40B4-BE49-F238E27FC236}">
+                  <a16:creationId xmlns:a16="http://schemas.microsoft.com/office/drawing/2014/main" id="{CD5733C9-9CED-6325-A0AB-D96904910B8C}"/>
+                </a:ext>
+              </a:extLst>
+            </p:cNvPr>
+            <p:cNvSpPr/>
+            <p:nvPr/>
+          </p:nvSpPr>
+          <p:spPr>
+            <a:xfrm>
+              <a:off x="1343821" y="5593690"/>
+              <a:ext cx="376518" cy="376518"/>
+            </a:xfrm>
+            <a:prstGeom prst="ellipse">
+              <a:avLst/>
+            </a:prstGeom>
+            <a:solidFill>
+              <a:srgbClr val="C85F4D"/>
+            </a:solidFill>
+            <a:ln>
+              <a:noFill/>
+            </a:ln>
+          </p:spPr>
+          <p:style>
+            <a:lnRef idx="2">
+              <a:schemeClr val="accent1">
+                <a:shade val="15000"/>
+              </a:schemeClr>
+            </a:lnRef>
+            <a:fillRef idx="1">
+              <a:schemeClr val="accent1"/>
+            </a:fillRef>
+            <a:effectRef idx="0">
+              <a:schemeClr val="accent1"/>
+            </a:effectRef>
+            <a:fontRef idx="minor">
+              <a:schemeClr val="lt1"/>
+            </a:fontRef>
+          </p:style>
+          <p:txBody>
+            <a:bodyPr rtlCol="0" anchor="ctr"/>
+            <a:lstStyle/>
+            <a:p>
+              <a:pPr algn="ctr"/>
+              <a:r>
+                <a:rPr lang="da-DK" dirty="0">
+                  <a:latin typeface="Garamond" panose="02020404030301010803" pitchFamily="18" charset="0"/>
+                </a:rPr>
+                <a:t>2</a:t>
+              </a:r>
+            </a:p>
+          </p:txBody>
+        </p:sp>
+        <mc:AlternateContent xmlns:mc="http://schemas.openxmlformats.org/markup-compatibility/2006">
+          <mc:Choice xmlns:a14="http://schemas.microsoft.com/office/drawing/2010/main" Requires="a14">
+            <p:sp>
+              <p:nvSpPr>
+                <p:cNvPr id="39" name="Tekstfelt 38">
+                  <a:extLst>
+                    <a:ext uri="{FF2B5EF4-FFF2-40B4-BE49-F238E27FC236}">
+                      <a16:creationId xmlns:a16="http://schemas.microsoft.com/office/drawing/2014/main" id="{96E2CEC1-4E6F-6A79-6107-10D49DF69FCF}"/>
+                    </a:ext>
+                  </a:extLst>
+                </p:cNvPr>
+                <p:cNvSpPr txBox="1"/>
+                <p:nvPr/>
+              </p:nvSpPr>
+              <p:spPr>
+                <a:xfrm>
+                  <a:off x="1906907" y="5622097"/>
+                  <a:ext cx="8142485" cy="352148"/>
+                </a:xfrm>
+                <a:prstGeom prst="rect">
+                  <a:avLst/>
+                </a:prstGeom>
+                <a:noFill/>
+              </p:spPr>
+              <p:txBody>
+                <a:bodyPr wrap="none" rtlCol="0">
+                  <a:spAutoFit/>
+                </a:bodyPr>
+                <a:lstStyle/>
+                <a:p>
+                  <a:r>
+                    <a:rPr lang="da-DK" sz="1600" dirty="0">
+                      <a:latin typeface="Garamond" panose="02020404030301010803" pitchFamily="18" charset="0"/>
+                    </a:rPr>
+                    <a:t>Testing Periods:     { </a:t>
+                  </a:r>
+                  <a14:m>
+                    <m:oMath xmlns:m="http://schemas.openxmlformats.org/officeDocument/2006/math">
+                      <m:sSub>
+                        <m:sSubPr>
+                          <m:ctrlPr>
+                            <a:rPr lang="da-DK" sz="1600" b="0" i="1" dirty="0" smtClean="0">
+                              <a:latin typeface="Cambria Math" panose="02040503050406030204" pitchFamily="18" charset="0"/>
+                            </a:rPr>
+                          </m:ctrlPr>
+                        </m:sSubPr>
+                        <m:e>
+                          <m:acc>
+                            <m:accPr>
+                              <m:chr m:val="̂"/>
+                              <m:ctrlPr>
+                                <a:rPr lang="da-DK" sz="1600" b="1" i="1" smtClean="0">
+                                  <a:latin typeface="Cambria Math" panose="02040503050406030204" pitchFamily="18" charset="0"/>
+                                </a:rPr>
+                              </m:ctrlPr>
+                            </m:accPr>
+                            <m:e>
+                              <m:r>
+                                <a:rPr lang="da-DK" sz="1600" b="1" i="0" smtClean="0">
+                                  <a:latin typeface="Cambria Math" panose="02040503050406030204" pitchFamily="18" charset="0"/>
+                                </a:rPr>
+                                <m:t>𝛏</m:t>
+                              </m:r>
+                            </m:e>
+                          </m:acc>
+                        </m:e>
+                        <m:sub>
+                          <m:r>
+                            <a:rPr lang="da-DK" sz="1600" b="0" i="1" dirty="0" smtClean="0">
+                              <a:latin typeface="Cambria Math" panose="02040503050406030204" pitchFamily="18" charset="0"/>
+                            </a:rPr>
+                            <m:t>𝑖</m:t>
+                          </m:r>
+                        </m:sub>
+                      </m:sSub>
+                    </m:oMath>
+                  </a14:m>
+                  <a:r>
+                    <a:rPr lang="da-DK" sz="1600" dirty="0">
+                      <a:latin typeface="Garamond" panose="02020404030301010803" pitchFamily="18" charset="0"/>
+                    </a:rPr>
+                    <a:t> : </a:t>
+                  </a:r>
+                  <a14:m>
+                    <m:oMath xmlns:m="http://schemas.openxmlformats.org/officeDocument/2006/math">
+                      <m:r>
+                        <a:rPr lang="da-DK" sz="1600" b="0" i="1" smtClean="0">
+                          <a:latin typeface="Cambria Math" panose="02040503050406030204" pitchFamily="18" charset="0"/>
+                        </a:rPr>
+                        <m:t>𝑖</m:t>
+                      </m:r>
+                      <m:r>
+                        <a:rPr lang="da-DK" sz="1600" b="0" i="1" smtClean="0">
+                          <a:latin typeface="Cambria Math" panose="02040503050406030204" pitchFamily="18" charset="0"/>
+                        </a:rPr>
+                        <m:t>∈</m:t>
+                      </m:r>
+                      <m:d>
+                        <m:dPr>
+                          <m:begChr m:val="{"/>
+                          <m:endChr m:val="}"/>
+                          <m:ctrlPr>
+                            <a:rPr lang="da-DK" sz="1600" b="0" i="1" smtClean="0">
+                              <a:latin typeface="Cambria Math" panose="02040503050406030204" pitchFamily="18" charset="0"/>
+                            </a:rPr>
+                          </m:ctrlPr>
+                        </m:dPr>
+                        <m:e>
+                          <m:r>
+                            <a:rPr lang="da-DK" sz="1600" b="0" i="1" smtClean="0">
+                              <a:latin typeface="Cambria Math" panose="02040503050406030204" pitchFamily="18" charset="0"/>
+                            </a:rPr>
+                            <m:t>𝜏</m:t>
+                          </m:r>
+                          <m:r>
+                            <a:rPr lang="da-DK" sz="1600" b="0" i="1" smtClean="0">
+                              <a:latin typeface="Cambria Math" panose="02040503050406030204" pitchFamily="18" charset="0"/>
+                            </a:rPr>
+                            <m:t>+</m:t>
+                          </m:r>
+                          <m:sSub>
+                            <m:sSubPr>
+                              <m:ctrlPr>
+                                <a:rPr lang="da-DK" sz="1600" b="0" i="1" smtClean="0">
+                                  <a:latin typeface="Cambria Math" panose="02040503050406030204" pitchFamily="18" charset="0"/>
+                                </a:rPr>
+                              </m:ctrlPr>
+                            </m:sSubPr>
+                            <m:e>
+                              <m:r>
+                                <a:rPr lang="da-DK" sz="1600" b="0" i="1" smtClean="0">
+                                  <a:latin typeface="Cambria Math" panose="02040503050406030204" pitchFamily="18" charset="0"/>
+                                </a:rPr>
+                                <m:t>𝑇</m:t>
+                              </m:r>
+                            </m:e>
+                            <m:sub>
+                              <m:r>
+                                <a:rPr lang="da-DK" sz="1600" b="0" i="1" smtClean="0">
+                                  <a:latin typeface="Cambria Math" panose="02040503050406030204" pitchFamily="18" charset="0"/>
+                                </a:rPr>
+                                <m:t>𝑇𝑅</m:t>
+                              </m:r>
+                            </m:sub>
+                          </m:sSub>
+                          <m:r>
+                            <a:rPr lang="da-DK" sz="1600" b="0" i="1" smtClean="0">
+                              <a:latin typeface="Cambria Math" panose="02040503050406030204" pitchFamily="18" charset="0"/>
+                            </a:rPr>
+                            <m:t>,</m:t>
+                          </m:r>
+                          <m:r>
+                            <a:rPr lang="da-DK" sz="1600" b="0" i="1" smtClean="0">
+                              <a:latin typeface="Cambria Math" panose="02040503050406030204" pitchFamily="18" charset="0"/>
+                            </a:rPr>
+                            <m:t>𝜏</m:t>
+                          </m:r>
+                          <m:r>
+                            <a:rPr lang="da-DK" sz="1600" b="0" i="1" smtClean="0">
+                              <a:latin typeface="Cambria Math" panose="02040503050406030204" pitchFamily="18" charset="0"/>
+                            </a:rPr>
+                            <m:t>+</m:t>
+                          </m:r>
+                          <m:sSub>
+                            <m:sSubPr>
+                              <m:ctrlPr>
+                                <a:rPr lang="da-DK" sz="1600" b="0" i="1" smtClean="0">
+                                  <a:latin typeface="Cambria Math" panose="02040503050406030204" pitchFamily="18" charset="0"/>
+                                </a:rPr>
+                              </m:ctrlPr>
+                            </m:sSubPr>
+                            <m:e>
+                              <m:r>
+                                <a:rPr lang="da-DK" sz="1600" b="0" i="1" smtClean="0">
+                                  <a:latin typeface="Cambria Math" panose="02040503050406030204" pitchFamily="18" charset="0"/>
+                                </a:rPr>
+                                <m:t>𝑇</m:t>
+                              </m:r>
+                            </m:e>
+                            <m:sub>
+                              <m:r>
+                                <a:rPr lang="da-DK" sz="1600" b="0" i="1" smtClean="0">
+                                  <a:latin typeface="Cambria Math" panose="02040503050406030204" pitchFamily="18" charset="0"/>
+                                </a:rPr>
+                                <m:t>𝑇𝑅</m:t>
+                              </m:r>
+                            </m:sub>
+                          </m:sSub>
+                          <m:r>
+                            <a:rPr lang="da-DK" sz="1600" b="0" i="1" smtClean="0">
+                              <a:latin typeface="Cambria Math" panose="02040503050406030204" pitchFamily="18" charset="0"/>
+                            </a:rPr>
+                            <m:t>+1,  …,</m:t>
+                          </m:r>
+                          <m:r>
+                            <a:rPr lang="da-DK" sz="1600" b="0" i="1" smtClean="0">
+                              <a:latin typeface="Cambria Math" panose="02040503050406030204" pitchFamily="18" charset="0"/>
+                            </a:rPr>
+                            <m:t>𝜏</m:t>
+                          </m:r>
+                          <m:r>
+                            <a:rPr lang="da-DK" sz="1600" b="0" i="1" smtClean="0">
+                              <a:latin typeface="Cambria Math" panose="02040503050406030204" pitchFamily="18" charset="0"/>
+                            </a:rPr>
+                            <m:t>+</m:t>
+                          </m:r>
+                          <m:sSub>
+                            <m:sSubPr>
+                              <m:ctrlPr>
+                                <a:rPr lang="da-DK" sz="1600" b="0" i="1" smtClean="0">
+                                  <a:latin typeface="Cambria Math" panose="02040503050406030204" pitchFamily="18" charset="0"/>
+                                </a:rPr>
+                              </m:ctrlPr>
+                            </m:sSubPr>
+                            <m:e>
+                              <m:r>
+                                <a:rPr lang="da-DK" sz="1600" b="0" i="1" smtClean="0">
+                                  <a:latin typeface="Cambria Math" panose="02040503050406030204" pitchFamily="18" charset="0"/>
+                                </a:rPr>
+                                <m:t>𝑇</m:t>
+                              </m:r>
+                            </m:e>
+                            <m:sub>
+                              <m:r>
+                                <a:rPr lang="da-DK" sz="1600" b="0" i="1" smtClean="0">
+                                  <a:latin typeface="Cambria Math" panose="02040503050406030204" pitchFamily="18" charset="0"/>
+                                </a:rPr>
+                                <m:t>𝑇𝑅</m:t>
+                              </m:r>
+                            </m:sub>
+                          </m:sSub>
+                          <m:r>
+                            <a:rPr lang="da-DK" sz="1600" b="0" i="1" smtClean="0">
+                              <a:latin typeface="Cambria Math" panose="02040503050406030204" pitchFamily="18" charset="0"/>
+                            </a:rPr>
+                            <m:t>+</m:t>
+                          </m:r>
+                          <m:sSub>
+                            <m:sSubPr>
+                              <m:ctrlPr>
+                                <a:rPr lang="da-DK" sz="1600" b="0" i="1" smtClean="0">
+                                  <a:latin typeface="Cambria Math" panose="02040503050406030204" pitchFamily="18" charset="0"/>
+                                </a:rPr>
+                              </m:ctrlPr>
+                            </m:sSubPr>
+                            <m:e>
+                              <m:r>
+                                <a:rPr lang="da-DK" sz="1600" b="0" i="1" smtClean="0">
+                                  <a:latin typeface="Cambria Math" panose="02040503050406030204" pitchFamily="18" charset="0"/>
+                                </a:rPr>
+                                <m:t>𝑇</m:t>
+                              </m:r>
+                            </m:e>
+                            <m:sub>
+                              <m:r>
+                                <a:rPr lang="da-DK" sz="1600" b="0" i="1" smtClean="0">
+                                  <a:latin typeface="Cambria Math" panose="02040503050406030204" pitchFamily="18" charset="0"/>
+                                </a:rPr>
+                                <m:t>𝑇𝐸</m:t>
+                              </m:r>
+                            </m:sub>
+                          </m:sSub>
+                          <m:r>
+                            <a:rPr lang="da-DK" sz="1600" b="0" i="1" smtClean="0">
+                              <a:latin typeface="Cambria Math" panose="02040503050406030204" pitchFamily="18" charset="0"/>
+                            </a:rPr>
+                            <m:t>−2,</m:t>
+                          </m:r>
+                          <m:r>
+                            <a:rPr lang="da-DK" sz="1600" b="0" i="1" smtClean="0">
+                              <a:latin typeface="Cambria Math" panose="02040503050406030204" pitchFamily="18" charset="0"/>
+                            </a:rPr>
+                            <m:t>𝜏</m:t>
+                          </m:r>
+                          <m:r>
+                            <a:rPr lang="da-DK" sz="1600" b="0" i="1" smtClean="0">
+                              <a:latin typeface="Cambria Math" panose="02040503050406030204" pitchFamily="18" charset="0"/>
+                            </a:rPr>
+                            <m:t>+</m:t>
+                          </m:r>
+                          <m:sSub>
+                            <m:sSubPr>
+                              <m:ctrlPr>
+                                <a:rPr lang="da-DK" sz="1600" b="0" i="1" smtClean="0">
+                                  <a:latin typeface="Cambria Math" panose="02040503050406030204" pitchFamily="18" charset="0"/>
+                                </a:rPr>
+                              </m:ctrlPr>
+                            </m:sSubPr>
+                            <m:e>
+                              <m:r>
+                                <a:rPr lang="da-DK" sz="1600" b="0" i="1" smtClean="0">
+                                  <a:latin typeface="Cambria Math" panose="02040503050406030204" pitchFamily="18" charset="0"/>
+                                </a:rPr>
+                                <m:t>𝑇</m:t>
+                              </m:r>
+                            </m:e>
+                            <m:sub>
+                              <m:r>
+                                <a:rPr lang="da-DK" sz="1600" b="0" i="1" smtClean="0">
+                                  <a:latin typeface="Cambria Math" panose="02040503050406030204" pitchFamily="18" charset="0"/>
+                                </a:rPr>
+                                <m:t>𝑇𝑅</m:t>
+                              </m:r>
+                            </m:sub>
+                          </m:sSub>
+                          <m:r>
+                            <a:rPr lang="da-DK" sz="1600" b="0" i="1" smtClean="0">
+                              <a:latin typeface="Cambria Math" panose="02040503050406030204" pitchFamily="18" charset="0"/>
+                            </a:rPr>
+                            <m:t>+</m:t>
+                          </m:r>
+                          <m:sSub>
+                            <m:sSubPr>
+                              <m:ctrlPr>
+                                <a:rPr lang="da-DK" sz="1600" b="0" i="1" smtClean="0">
+                                  <a:latin typeface="Cambria Math" panose="02040503050406030204" pitchFamily="18" charset="0"/>
+                                </a:rPr>
+                              </m:ctrlPr>
+                            </m:sSubPr>
+                            <m:e>
+                              <m:r>
+                                <a:rPr lang="da-DK" sz="1600" b="0" i="1" smtClean="0">
+                                  <a:latin typeface="Cambria Math" panose="02040503050406030204" pitchFamily="18" charset="0"/>
+                                </a:rPr>
+                                <m:t>𝑇</m:t>
+                              </m:r>
+                            </m:e>
+                            <m:sub>
+                              <m:r>
+                                <a:rPr lang="da-DK" sz="1600" b="0" i="1" smtClean="0">
+                                  <a:latin typeface="Cambria Math" panose="02040503050406030204" pitchFamily="18" charset="0"/>
+                                </a:rPr>
+                                <m:t>𝑇𝐸</m:t>
+                              </m:r>
+                            </m:sub>
+                          </m:sSub>
+                          <m:r>
+                            <a:rPr lang="da-DK" sz="1600" b="0" i="1" smtClean="0">
+                              <a:latin typeface="Cambria Math" panose="02040503050406030204" pitchFamily="18" charset="0"/>
+                            </a:rPr>
+                            <m:t>−1</m:t>
+                          </m:r>
+                        </m:e>
+                      </m:d>
+                    </m:oMath>
+                  </a14:m>
+                  <a:r>
+                    <a:rPr lang="da-DK" sz="1600" dirty="0">
+                      <a:latin typeface="Garamond" panose="02020404030301010803" pitchFamily="18" charset="0"/>
+                    </a:rPr>
+                    <a:t> }</a:t>
+                  </a:r>
+                </a:p>
+              </p:txBody>
+            </p:sp>
+          </mc:Choice>
+          <mc:Fallback>
+            <p:sp>
+              <p:nvSpPr>
+                <p:cNvPr id="39" name="Tekstfelt 38">
+                  <a:extLst>
+                    <a:ext uri="{FF2B5EF4-FFF2-40B4-BE49-F238E27FC236}">
+                      <a16:creationId xmlns:a16="http://schemas.microsoft.com/office/drawing/2014/main" id="{96E2CEC1-4E6F-6A79-6107-10D49DF69FCF}"/>
+                    </a:ext>
+                  </a:extLst>
+                </p:cNvPr>
+                <p:cNvSpPr txBox="1">
+                  <a:spLocks noRot="1" noChangeAspect="1" noMove="1" noResize="1" noEditPoints="1" noAdjustHandles="1" noChangeArrowheads="1" noChangeShapeType="1" noTextEdit="1"/>
+                </p:cNvSpPr>
+                <p:nvPr/>
+              </p:nvSpPr>
+              <p:spPr>
+                <a:xfrm>
+                  <a:off x="1906907" y="5622097"/>
+                  <a:ext cx="8142485" cy="352148"/>
+                </a:xfrm>
+                <a:prstGeom prst="rect">
+                  <a:avLst/>
+                </a:prstGeom>
+                <a:blipFill>
+                  <a:blip r:embed="rId5"/>
+                  <a:stretch>
+                    <a:fillRect l="-467" t="-3448" b="-17241"/>
+                  </a:stretch>
+                </a:blipFill>
+              </p:spPr>
+              <p:txBody>
+                <a:bodyPr/>
+                <a:lstStyle/>
+                <a:p>
+                  <a:r>
+                    <a:rPr lang="da-DK">
+                      <a:noFill/>
+                    </a:rPr>
+                    <a:t> </a:t>
+                  </a:r>
+                </a:p>
+              </p:txBody>
+            </p:sp>
+          </mc:Fallback>
+        </mc:AlternateContent>
+      </p:grpSp>
+    </p:spTree>
+    <p:extLst>
+      <p:ext uri="{BB962C8B-B14F-4D97-AF65-F5344CB8AC3E}">
+        <p14:creationId xmlns:p14="http://schemas.microsoft.com/office/powerpoint/2010/main" val="2707637839"/>
       </p:ext>
     </p:extLst>
   </p:cSld>
